--- a/materials/slides/ch03-8.pptx
+++ b/materials/slides/ch03-8.pptx
@@ -16,18 +16,18 @@
     <p:sldId id="484" r:id="rId5"/>
     <p:sldId id="485" r:id="rId6"/>
     <p:sldId id="267" r:id="rId7"/>
-    <p:sldId id="464" r:id="rId9"/>
-    <p:sldId id="333" r:id="rId10"/>
-    <p:sldId id="334" r:id="rId11"/>
-    <p:sldId id="332" r:id="rId12"/>
-    <p:sldId id="335" r:id="rId13"/>
-    <p:sldId id="336" r:id="rId14"/>
-    <p:sldId id="337" r:id="rId15"/>
-    <p:sldId id="465" r:id="rId16"/>
-    <p:sldId id="338" r:id="rId17"/>
-    <p:sldId id="339" r:id="rId18"/>
-    <p:sldId id="340" r:id="rId19"/>
-    <p:sldId id="381" r:id="rId20"/>
+    <p:sldId id="503" r:id="rId9"/>
+    <p:sldId id="504" r:id="rId10"/>
+    <p:sldId id="505" r:id="rId11"/>
+    <p:sldId id="506" r:id="rId12"/>
+    <p:sldId id="507" r:id="rId13"/>
+    <p:sldId id="508" r:id="rId14"/>
+    <p:sldId id="509" r:id="rId15"/>
+    <p:sldId id="510" r:id="rId16"/>
+    <p:sldId id="511" r:id="rId17"/>
+    <p:sldId id="512" r:id="rId18"/>
+    <p:sldId id="513" r:id="rId19"/>
+    <p:sldId id="514" r:id="rId20"/>
     <p:sldId id="463" r:id="rId21"/>
     <p:sldId id="486" r:id="rId22"/>
     <p:sldId id="351" r:id="rId23"/>
@@ -15212,6 +15212,102 @@
         <p:cNvGrpSpPr/>
         <p:nvPr/>
       </p:nvGrpSpPr>
+      <p:grpSpPr/>
+      <p:sp>
+        <p:nvSpPr>
+          <p:cNvPr id="2" name="幻灯片图像占位符 1"/>
+          <p:cNvSpPr/>
+          <p:nvPr>
+            <p:ph type="sldImg" idx="2"/>
+          </p:nvPr>
+        </p:nvSpPr>
+        <p:spPr/>
+      </p:sp>
+      <p:sp>
+        <p:nvSpPr>
+          <p:cNvPr id="3" name="文本占位符 2"/>
+          <p:cNvSpPr/>
+          <p:nvPr>
+            <p:ph type="body" idx="3"/>
+          </p:nvPr>
+        </p:nvSpPr>
+        <p:spPr/>
+        <p:txBody>
+          <a:bodyPr/>
+          <a:p>
+            <a:r>
+              <a:rPr lang="zh-CN" altLang="en-US"/>
+              <a:t>有经验和没有经验的人，如何开始风险分析</a:t>
+            </a:r>
+            <a:endParaRPr lang="zh-CN" altLang="en-US"/>
+          </a:p>
+        </p:txBody>
+      </p:sp>
+    </p:spTree>
+  </p:cSld>
+  <p:clrMapOvr>
+    <a:masterClrMapping/>
+  </p:clrMapOvr>
+</p:notes>
+</file>
+
+<file path=ppt/notesSlides/notesSlide3.xml><?xml version="1.0" encoding="utf-8"?>
+<p:notes xmlns:a="http://schemas.openxmlformats.org/drawingml/2006/main" xmlns:r="http://schemas.openxmlformats.org/officeDocument/2006/relationships" xmlns:p="http://schemas.openxmlformats.org/presentationml/2006/main">
+  <p:cSld>
+    <p:spTree>
+      <p:nvGrpSpPr>
+        <p:cNvPr id="1" name=""/>
+        <p:cNvGrpSpPr/>
+        <p:nvPr/>
+      </p:nvGrpSpPr>
+      <p:grpSpPr/>
+      <p:sp>
+        <p:nvSpPr>
+          <p:cNvPr id="2" name="幻灯片图像占位符 1"/>
+          <p:cNvSpPr/>
+          <p:nvPr>
+            <p:ph type="sldImg" idx="2"/>
+          </p:nvPr>
+        </p:nvSpPr>
+        <p:spPr/>
+      </p:sp>
+      <p:sp>
+        <p:nvSpPr>
+          <p:cNvPr id="3" name="文本占位符 2"/>
+          <p:cNvSpPr/>
+          <p:nvPr>
+            <p:ph type="body" idx="3"/>
+          </p:nvPr>
+        </p:nvSpPr>
+        <p:spPr/>
+        <p:txBody>
+          <a:bodyPr/>
+          <a:p>
+            <a:r>
+              <a:rPr lang="zh-CN" altLang="en-US"/>
+              <a:t>风险结构 进行分类和归类</a:t>
+            </a:r>
+            <a:endParaRPr lang="zh-CN" altLang="en-US"/>
+          </a:p>
+        </p:txBody>
+      </p:sp>
+    </p:spTree>
+  </p:cSld>
+  <p:clrMapOvr>
+    <a:masterClrMapping/>
+  </p:clrMapOvr>
+</p:notes>
+</file>
+
+<file path=ppt/notesSlides/notesSlide4.xml><?xml version="1.0" encoding="utf-8"?>
+<p:notes xmlns:a="http://schemas.openxmlformats.org/drawingml/2006/main" xmlns:r="http://schemas.openxmlformats.org/officeDocument/2006/relationships" xmlns:p="http://schemas.openxmlformats.org/presentationml/2006/main">
+  <p:cSld>
+    <p:spTree>
+      <p:nvGrpSpPr>
+        <p:cNvPr id="1" name=""/>
+        <p:cNvGrpSpPr/>
+        <p:nvPr/>
+      </p:nvGrpSpPr>
       <p:grpSpPr>
         <a:xfrm>
           <a:off x="0" y="0"/>
@@ -15277,6 +15373,70 @@
               <a:rPr lang="de-DE" altLang="zh-CN" smtClean="0"/>
             </a:fld>
             <a:endParaRPr lang="de-DE" altLang="zh-CN"/>
+          </a:p>
+        </p:txBody>
+      </p:sp>
+    </p:spTree>
+  </p:cSld>
+  <p:clrMapOvr>
+    <a:masterClrMapping/>
+  </p:clrMapOvr>
+</p:notes>
+</file>
+
+<file path=ppt/notesSlides/notesSlide5.xml><?xml version="1.0" encoding="utf-8"?>
+<p:notes xmlns:a="http://schemas.openxmlformats.org/drawingml/2006/main" xmlns:r="http://schemas.openxmlformats.org/officeDocument/2006/relationships" xmlns:p="http://schemas.openxmlformats.org/presentationml/2006/main">
+  <p:cSld>
+    <p:spTree>
+      <p:nvGrpSpPr>
+        <p:cNvPr id="1" name=""/>
+        <p:cNvGrpSpPr/>
+        <p:nvPr/>
+      </p:nvGrpSpPr>
+      <p:grpSpPr/>
+      <p:sp>
+        <p:nvSpPr>
+          <p:cNvPr id="2" name="幻灯片图像占位符 1"/>
+          <p:cNvSpPr/>
+          <p:nvPr>
+            <p:ph type="sldImg" idx="2"/>
+          </p:nvPr>
+        </p:nvSpPr>
+        <p:spPr/>
+      </p:sp>
+      <p:sp>
+        <p:nvSpPr>
+          <p:cNvPr id="3" name="文本占位符 2"/>
+          <p:cNvSpPr/>
+          <p:nvPr>
+            <p:ph type="body" idx="3"/>
+          </p:nvPr>
+        </p:nvSpPr>
+        <p:spPr/>
+        <p:txBody>
+          <a:bodyPr/>
+          <a:p>
+            <a:r>
+              <a:rPr lang="zh-CN" altLang="en-US"/>
+              <a:t>开拓</a:t>
+            </a:r>
+            <a:r>
+              <a:rPr lang="en-US" altLang="zh-CN"/>
+              <a:t>-</a:t>
+            </a:r>
+            <a:r>
+              <a:rPr lang="zh-CN" altLang="en-US"/>
+              <a:t>从无到有 提高</a:t>
+            </a:r>
+            <a:r>
+              <a:rPr lang="en-US" altLang="zh-CN"/>
+              <a:t>-</a:t>
+            </a:r>
+            <a:r>
+              <a:rPr lang="zh-CN" altLang="en-US"/>
+              <a:t>做的更好</a:t>
+            </a:r>
+            <a:endParaRPr lang="zh-CN" altLang="en-US"/>
           </a:p>
         </p:txBody>
       </p:sp>
@@ -18124,58 +18284,29 @@
             <p:ph idx="1"/>
           </p:nvPr>
         </p:nvSpPr>
-        <p:spPr/>
+        <p:spPr>
+          <a:xfrm>
+            <a:off x="393700" y="1489075"/>
+            <a:ext cx="11073130" cy="4313555"/>
+          </a:xfrm>
+        </p:spPr>
         <p:txBody>
           <a:bodyPr/>
           <a:lstStyle/>
           <a:p>
             <a:r>
               <a:rPr lang="zh-CN" altLang="en-US" sz="2400" dirty="0" smtClean="0"/>
-              <a:t>判断哪些风险会影响项目并记录其特征（</a:t>
+              <a:t>判断哪些风险</a:t>
             </a:r>
             <a:r>
               <a:rPr lang="zh-CN" altLang="en-US" sz="2400" dirty="0" smtClean="0">
-                <a:solidFill>
-                  <a:srgbClr val="FF0000"/>
-                </a:solidFill>
+                <a:sym typeface="+mn-ea"/>
               </a:rPr>
-              <a:t>教材第</a:t>
-            </a:r>
-            <a:r>
-              <a:rPr lang="en-US" altLang="zh-CN" sz="2400" dirty="0" smtClean="0">
-                <a:solidFill>
-                  <a:srgbClr val="FF0000"/>
-                </a:solidFill>
-              </a:rPr>
-              <a:t>3</a:t>
-            </a:r>
-            <a:r>
-              <a:rPr lang="zh-CN" altLang="en-US" sz="2400" dirty="0" smtClean="0">
-                <a:solidFill>
-                  <a:srgbClr val="FF0000"/>
-                </a:solidFill>
-              </a:rPr>
-              <a:t>节“</a:t>
-            </a:r>
-            <a:r>
-              <a:rPr lang="en-US" altLang="zh-CN" sz="2400" dirty="0" smtClean="0">
-                <a:solidFill>
-                  <a:srgbClr val="FF0000"/>
-                </a:solidFill>
-              </a:rPr>
-              <a:t>IT</a:t>
-            </a:r>
-            <a:r>
-              <a:rPr lang="zh-CN" altLang="en-US" sz="2400" dirty="0" smtClean="0">
-                <a:solidFill>
-                  <a:srgbClr val="FF0000"/>
-                </a:solidFill>
-              </a:rPr>
-              <a:t>项目中常见的风险源”</a:t>
+              <a:t>（如：市场、财务、技术、人力等）</a:t>
             </a:r>
             <a:r>
               <a:rPr lang="zh-CN" altLang="en-US" sz="2400" dirty="0" smtClean="0"/>
-              <a:t>）。主要的方法包括：</a:t>
+              <a:t>会影响项目并记录其特征。主要的方法包括：</a:t>
             </a:r>
             <a:endParaRPr lang="en-US" altLang="zh-CN" sz="2400" dirty="0" smtClean="0"/>
           </a:p>
@@ -18211,23 +18342,39 @@
                   <a:srgbClr val="FF0000"/>
                 </a:solidFill>
               </a:rPr>
-              <a:t>风暴（教材第</a:t>
-            </a:r>
-            <a:r>
-              <a:rPr lang="en-US" altLang="zh-CN" sz="2000" dirty="0" smtClean="0">
+              <a:t>风暴</a:t>
+            </a:r>
+            <a:r>
+              <a:rPr lang="zh-CN" altLang="en-US" sz="2000" dirty="0" smtClean="0">
                 <a:solidFill>
-                  <a:srgbClr val="FF0000"/>
+                  <a:schemeClr val="tx1"/>
                 </a:solidFill>
               </a:rPr>
-              <a:t>4</a:t>
-            </a:r>
+              <a:t>（不能过度使用，有时独立工作的个人的想法更多）</a:t>
+            </a:r>
+            <a:endParaRPr lang="zh-CN" altLang="en-US" sz="2000" dirty="0" smtClean="0">
+              <a:solidFill>
+                <a:srgbClr val="FF0000"/>
+              </a:solidFill>
+            </a:endParaRPr>
+          </a:p>
+          <a:p>
+            <a:pPr lvl="1"/>
             <a:r>
               <a:rPr lang="zh-CN" altLang="en-US" sz="2000" dirty="0" smtClean="0">
                 <a:solidFill>
                   <a:srgbClr val="FF0000"/>
                 </a:solidFill>
               </a:rPr>
-              <a:t>节“识别风险的几点建议”）</a:t>
+              <a:t>访谈</a:t>
+            </a:r>
+            <a:r>
+              <a:rPr lang="zh-CN" altLang="en-US" sz="2000" dirty="0" smtClean="0">
+                <a:solidFill>
+                  <a:schemeClr val="tx1"/>
+                </a:solidFill>
+              </a:rPr>
+              <a:t>（面对面收集信息）</a:t>
             </a:r>
             <a:endParaRPr lang="en-US" altLang="zh-CN" sz="2000" dirty="0" smtClean="0">
               <a:solidFill>
@@ -18247,7 +18394,7 @@
             </a:r>
             <a:r>
               <a:rPr lang="zh-CN" altLang="en-US" sz="2000" dirty="0" smtClean="0"/>
-              <a:t>。根据以往类似项目、</a:t>
+              <a:t>。根据以往类似项目</a:t>
             </a:r>
             <a:r>
               <a:rPr lang="en-US" altLang="zh-CN" sz="2000" dirty="0" smtClean="0"/>
@@ -18255,7 +18402,17 @@
             </a:r>
             <a:r>
               <a:rPr lang="zh-CN" altLang="en-US" sz="2000" dirty="0" smtClean="0"/>
-              <a:t>底层或其他历史信息与知识编制风险识别核对表</a:t>
+              <a:t>（</a:t>
+            </a:r>
+            <a:r>
+              <a:rPr lang="zh-CN" altLang="en-US" sz="2000" dirty="0" smtClean="0">
+                <a:sym typeface="+mn-ea"/>
+              </a:rPr>
+              <a:t>风险分解结构</a:t>
+            </a:r>
+            <a:r>
+              <a:rPr lang="zh-CN" altLang="en-US" sz="2000" dirty="0" smtClean="0"/>
+              <a:t>）或其他历史信息编制风险识别核对表</a:t>
             </a:r>
             <a:endParaRPr lang="en-US" altLang="zh-CN" sz="2000" dirty="0" smtClean="0"/>
           </a:p>
@@ -18323,7 +18480,15 @@
               <a:rPr lang="zh-CN" altLang="en-US" dirty="0" smtClean="0"/>
               <a:t>）</a:t>
             </a:r>
-            <a:endParaRPr lang="zh-CN" altLang="en-US" dirty="0"/>
+            <a:r>
+              <a:rPr lang="en-US" altLang="zh-CN" dirty="0" smtClean="0"/>
+              <a:t>-</a:t>
+            </a:r>
+            <a:r>
+              <a:rPr lang="zh-CN" altLang="en-US" dirty="0" smtClean="0"/>
+              <a:t>风险分析和归类</a:t>
+            </a:r>
+            <a:endParaRPr lang="zh-CN" altLang="en-US" dirty="0" smtClean="0"/>
           </a:p>
         </p:txBody>
       </p:sp>
@@ -18361,11 +18526,7 @@
             </a:r>
             <a:r>
               <a:rPr lang="zh-CN" altLang="en-US" sz="2400" dirty="0" smtClean="0"/>
-              <a:t>（Risk Based Supervision）</a:t>
-            </a:r>
-            <a:r>
-              <a:rPr lang="zh-CN" altLang="en-US" sz="2400" dirty="0" smtClean="0"/>
-              <a:t>：企业将以往经验</a:t>
+              <a:t>（Risk Based Supervision）：企业将以往经验</a:t>
             </a:r>
             <a:r>
               <a:rPr lang="zh-CN" altLang="en-US" sz="2400" dirty="0"/>
@@ -18384,12 +18545,52 @@
               <a:t>风险按</a:t>
             </a:r>
             <a:r>
-              <a:rPr lang="zh-CN" altLang="en-US" sz="2400" dirty="0"/>
+              <a:rPr lang="zh-CN" altLang="en-US" sz="2400" dirty="0">
+                <a:solidFill>
+                  <a:srgbClr val="FF0000"/>
+                </a:solidFill>
+              </a:rPr>
               <a:t>类别</a:t>
             </a:r>
             <a:r>
               <a:rPr lang="zh-CN" altLang="en-US" sz="2400" dirty="0" smtClean="0"/>
-              <a:t>和子类别排列为一种层级结构，用于帮助未来项目快速识别风险。</a:t>
+              <a:t>和子类别</a:t>
+            </a:r>
+            <a:r>
+              <a:rPr lang="zh-CN" altLang="en-US" sz="2400" dirty="0" smtClean="0">
+                <a:solidFill>
+                  <a:srgbClr val="FF0000"/>
+                </a:solidFill>
+              </a:rPr>
+              <a:t>排列</a:t>
+            </a:r>
+            <a:r>
+              <a:rPr lang="zh-CN" altLang="en-US" sz="2400" dirty="0" smtClean="0"/>
+              <a:t>为一种</a:t>
+            </a:r>
+            <a:r>
+              <a:rPr lang="zh-CN" altLang="en-US" sz="2400" dirty="0" smtClean="0">
+                <a:solidFill>
+                  <a:srgbClr val="FF0000"/>
+                </a:solidFill>
+              </a:rPr>
+              <a:t>层级结构</a:t>
+            </a:r>
+            <a:r>
+              <a:rPr lang="zh-CN" altLang="en-US" sz="2400" dirty="0" smtClean="0"/>
+              <a:t>，用于帮助未来</a:t>
+            </a:r>
+            <a:r>
+              <a:rPr lang="zh-CN" altLang="en-US" sz="2400" dirty="0" smtClean="0">
+                <a:solidFill>
+                  <a:srgbClr val="FF0000"/>
+                </a:solidFill>
+              </a:rPr>
+              <a:t>项目快速识别风险</a:t>
+            </a:r>
+            <a:r>
+              <a:rPr lang="zh-CN" altLang="en-US" sz="2400" dirty="0" smtClean="0"/>
+              <a:t>。</a:t>
             </a:r>
             <a:endParaRPr lang="en-US" altLang="zh-CN" sz="2400" dirty="0" smtClean="0"/>
           </a:p>
@@ -18526,35 +18727,55 @@
                   <a:srgbClr val="FF0000"/>
                 </a:solidFill>
               </a:rPr>
-              <a:t>教材第</a:t>
-            </a:r>
-            <a:r>
-              <a:rPr lang="en-US" altLang="zh-CN" sz="2400" dirty="0" smtClean="0">
+              <a:t>用概率与影响矩阵估算风险因子</a:t>
+            </a:r>
+            <a:r>
+              <a:rPr lang="zh-CN" altLang="en-US" sz="2400" dirty="0" smtClean="0"/>
+              <a:t>）</a:t>
+            </a:r>
+            <a:endParaRPr lang="en-US" altLang="zh-CN" sz="2400" dirty="0" smtClean="0"/>
+          </a:p>
+          <a:p>
+            <a:pPr lvl="1"/>
+            <a:r>
+              <a:rPr lang="zh-CN" altLang="en-US" sz="2000" dirty="0" smtClean="0"/>
+              <a:t>概率影响矩阵。用于评估每个风险的重要性和所需的关注优先级，根据</a:t>
+            </a:r>
+            <a:r>
+              <a:rPr lang="zh-CN" altLang="en-US" sz="2000" dirty="0" smtClean="0">
                 <a:solidFill>
                   <a:srgbClr val="FF0000"/>
                 </a:solidFill>
               </a:rPr>
-              <a:t>5</a:t>
-            </a:r>
-            <a:r>
-              <a:rPr lang="zh-CN" altLang="en-US" sz="2400" dirty="0" smtClean="0">
+              <a:t>概率</a:t>
+            </a:r>
+            <a:r>
+              <a:rPr lang="zh-CN" altLang="en-US" sz="2000" dirty="0" smtClean="0"/>
+              <a:t>和</a:t>
+            </a:r>
+            <a:r>
+              <a:rPr lang="zh-CN" altLang="en-US" sz="2000" dirty="0" smtClean="0">
                 <a:solidFill>
                   <a:srgbClr val="FF0000"/>
                 </a:solidFill>
               </a:rPr>
-              <a:t>节“用概率与影响矩阵估算风险因子”</a:t>
-            </a:r>
-            <a:r>
-              <a:rPr lang="zh-CN" altLang="en-US" sz="2400" dirty="0" smtClean="0"/>
-              <a:t>）</a:t>
-            </a:r>
-            <a:endParaRPr lang="en-US" altLang="zh-CN" sz="2400" dirty="0" smtClean="0"/>
-          </a:p>
-          <a:p>
-            <a:pPr lvl="1"/>
+              <a:t>影响</a:t>
+            </a:r>
             <a:r>
               <a:rPr lang="zh-CN" altLang="en-US" sz="2000" dirty="0" smtClean="0"/>
-              <a:t>概率影响矩阵。用于评估每个风险的重要性和所需的关注优先级，根据概率和影响的各种组合，把风险划分为低、中、高风险</a:t>
+              <a:t>的各种组合，把风险划分为</a:t>
+            </a:r>
+            <a:r>
+              <a:rPr lang="zh-CN" altLang="en-US" sz="2000" dirty="0" smtClean="0">
+                <a:solidFill>
+                  <a:srgbClr val="FF0000"/>
+                </a:solidFill>
+              </a:rPr>
+              <a:t>低、中、高</a:t>
+            </a:r>
+            <a:r>
+              <a:rPr lang="zh-CN" altLang="en-US" sz="2000" dirty="0" smtClean="0"/>
+              <a:t>风险</a:t>
             </a:r>
             <a:endParaRPr lang="en-US" altLang="zh-CN" sz="2000" dirty="0" smtClean="0"/>
           </a:p>
@@ -19108,7 +19329,51 @@
             <a:pPr lvl="2"/>
             <a:r>
               <a:rPr lang="zh-CN" altLang="en-US" sz="2200" dirty="0" smtClean="0"/>
-              <a:t>决策树和预期货币值</a:t>
+              <a:t>决策树（帮助在未来结果不确定的情况下选择最好行动路径的</a:t>
+            </a:r>
+            <a:r>
+              <a:rPr lang="zh-CN" altLang="en-US" sz="2200" dirty="0" smtClean="0">
+                <a:solidFill>
+                  <a:srgbClr val="FF0000"/>
+                </a:solidFill>
+              </a:rPr>
+              <a:t>图形方法</a:t>
+            </a:r>
+            <a:r>
+              <a:rPr lang="zh-CN" altLang="en-US" sz="2200" dirty="0" smtClean="0"/>
+              <a:t>）</a:t>
+            </a:r>
+            <a:endParaRPr lang="zh-CN" altLang="en-US" sz="2200" dirty="0" smtClean="0"/>
+          </a:p>
+          <a:p>
+            <a:pPr lvl="2"/>
+            <a:r>
+              <a:rPr lang="zh-CN" altLang="en-US" sz="2200" dirty="0" smtClean="0"/>
+              <a:t>预期货币值（风险事件</a:t>
+            </a:r>
+            <a:r>
+              <a:rPr lang="zh-CN" altLang="en-US" sz="2200" dirty="0" smtClean="0">
+                <a:solidFill>
+                  <a:srgbClr val="FF0000"/>
+                </a:solidFill>
+              </a:rPr>
+              <a:t>概率</a:t>
+            </a:r>
+            <a:r>
+              <a:rPr lang="zh-CN" altLang="en-US" sz="2200" dirty="0" smtClean="0"/>
+              <a:t>和风险事件</a:t>
+            </a:r>
+            <a:r>
+              <a:rPr lang="zh-CN" altLang="en-US" sz="2200" dirty="0" smtClean="0">
+                <a:solidFill>
+                  <a:srgbClr val="FF0000"/>
+                </a:solidFill>
+              </a:rPr>
+              <a:t>货币值</a:t>
+            </a:r>
+            <a:r>
+              <a:rPr lang="zh-CN" altLang="en-US" sz="2200" dirty="0" smtClean="0"/>
+              <a:t>的乘积）</a:t>
             </a:r>
             <a:endParaRPr lang="en-US" altLang="zh-CN" sz="2200" dirty="0" smtClean="0"/>
           </a:p>
@@ -19116,7 +19381,55 @@
             <a:pPr lvl="2"/>
             <a:r>
               <a:rPr lang="zh-CN" altLang="en-US" sz="2200" dirty="0" smtClean="0"/>
-              <a:t>模拟</a:t>
+              <a:t>模拟（用系统的</a:t>
+            </a:r>
+            <a:r>
+              <a:rPr lang="zh-CN" altLang="en-US" sz="2200" dirty="0" smtClean="0">
+                <a:solidFill>
+                  <a:srgbClr val="FF0000"/>
+                </a:solidFill>
+              </a:rPr>
+              <a:t>模型</a:t>
+            </a:r>
+            <a:r>
+              <a:rPr lang="zh-CN" altLang="en-US" sz="2200" dirty="0" smtClean="0"/>
+              <a:t>或</a:t>
+            </a:r>
+            <a:r>
+              <a:rPr lang="zh-CN" altLang="en-US" sz="2200" dirty="0" smtClean="0">
+                <a:solidFill>
+                  <a:srgbClr val="FF0000"/>
+                </a:solidFill>
+              </a:rPr>
+              <a:t>表示法</a:t>
+            </a:r>
+            <a:r>
+              <a:rPr lang="zh-CN" altLang="en-US" sz="2200" dirty="0" smtClean="0"/>
+              <a:t>来分析系统的</a:t>
+            </a:r>
+            <a:r>
+              <a:rPr lang="zh-CN" altLang="en-US" sz="2200" dirty="0" smtClean="0">
+                <a:solidFill>
+                  <a:srgbClr val="FF0000"/>
+                </a:solidFill>
+              </a:rPr>
+              <a:t>预期行为</a:t>
+            </a:r>
+            <a:r>
+              <a:rPr lang="zh-CN" altLang="en-US" sz="2200" dirty="0" smtClean="0"/>
+              <a:t>或</a:t>
+            </a:r>
+            <a:r>
+              <a:rPr lang="zh-CN" altLang="en-US" sz="2200" dirty="0" smtClean="0">
+                <a:solidFill>
+                  <a:srgbClr val="FF0000"/>
+                </a:solidFill>
+              </a:rPr>
+              <a:t>绩效</a:t>
+            </a:r>
+            <a:r>
+              <a:rPr lang="zh-CN" altLang="en-US" sz="2200" dirty="0" smtClean="0"/>
+              <a:t>，例如股市模拟）</a:t>
             </a:r>
             <a:endParaRPr lang="en-US" altLang="zh-CN" sz="2200" dirty="0" smtClean="0"/>
           </a:p>
@@ -19124,7 +19437,19 @@
             <a:pPr lvl="2"/>
             <a:r>
               <a:rPr lang="zh-CN" altLang="en-US" sz="2200" dirty="0" smtClean="0"/>
-              <a:t>灵敏度分析</a:t>
+              <a:t>灵敏度分析（通过改变一个或多个</a:t>
+            </a:r>
+            <a:r>
+              <a:rPr lang="zh-CN" altLang="en-US" sz="2200" dirty="0" smtClean="0">
+                <a:solidFill>
+                  <a:srgbClr val="FF0000"/>
+                </a:solidFill>
+              </a:rPr>
+              <a:t>变量</a:t>
+            </a:r>
+            <a:r>
+              <a:rPr lang="zh-CN" altLang="en-US" sz="2200" dirty="0" smtClean="0"/>
+              <a:t>观察其结果的影响）</a:t>
             </a:r>
             <a:endParaRPr lang="en-US" altLang="zh-CN" sz="2200" dirty="0" smtClean="0"/>
           </a:p>
@@ -19229,7 +19554,19 @@
             <a:pPr lvl="1"/>
             <a:r>
               <a:rPr lang="zh-CN" altLang="en-US" sz="2000" dirty="0" smtClean="0"/>
-              <a:t>确定和分配风险应对责任人，来实施已获得同意和资金支持的风险应对措施</a:t>
+              <a:t>确定和分配风险应对</a:t>
+            </a:r>
+            <a:r>
+              <a:rPr lang="zh-CN" altLang="en-US" sz="2000" dirty="0" smtClean="0">
+                <a:solidFill>
+                  <a:srgbClr val="FF0000"/>
+                </a:solidFill>
+              </a:rPr>
+              <a:t>责任人</a:t>
+            </a:r>
+            <a:r>
+              <a:rPr lang="zh-CN" altLang="en-US" sz="2000" dirty="0" smtClean="0"/>
+              <a:t>，来实施已获得同意和资金支持的风险应对措施</a:t>
             </a:r>
             <a:endParaRPr lang="en-US" altLang="zh-CN" sz="2000" dirty="0" smtClean="0"/>
           </a:p>
@@ -19237,7 +19574,43 @@
             <a:pPr lvl="1"/>
             <a:r>
               <a:rPr lang="zh-CN" altLang="en-US" sz="2000" dirty="0" smtClean="0"/>
-              <a:t>根据风险的优先级来制定应对措施，并把风险应对所需的资源和活动加进项目的预算、进度计划和项目管理计划中</a:t>
+              <a:t>根据风险的</a:t>
+            </a:r>
+            <a:r>
+              <a:rPr lang="zh-CN" altLang="en-US" sz="2000" dirty="0" smtClean="0">
+                <a:solidFill>
+                  <a:srgbClr val="FF0000"/>
+                </a:solidFill>
+              </a:rPr>
+              <a:t>优先级</a:t>
+            </a:r>
+            <a:r>
+              <a:rPr lang="zh-CN" altLang="en-US" sz="2000" dirty="0" smtClean="0"/>
+              <a:t>来制定应对措施，并把</a:t>
+            </a:r>
+            <a:r>
+              <a:rPr lang="zh-CN" altLang="en-US" sz="2000" dirty="0" smtClean="0">
+                <a:solidFill>
+                  <a:srgbClr val="FF0000"/>
+                </a:solidFill>
+              </a:rPr>
+              <a:t>风险应对</a:t>
+            </a:r>
+            <a:r>
+              <a:rPr lang="zh-CN" altLang="en-US" sz="2000" dirty="0" smtClean="0"/>
+              <a:t>所需的资源和活动</a:t>
+            </a:r>
+            <a:r>
+              <a:rPr lang="zh-CN" altLang="en-US" sz="2000" dirty="0" smtClean="0">
+                <a:solidFill>
+                  <a:srgbClr val="FF0000"/>
+                </a:solidFill>
+              </a:rPr>
+              <a:t>加进项目的预算、进度计划和项目管理计划</a:t>
+            </a:r>
+            <a:r>
+              <a:rPr lang="zh-CN" altLang="en-US" sz="2000" dirty="0" smtClean="0"/>
+              <a:t>中</a:t>
             </a:r>
             <a:endParaRPr lang="en-US" altLang="zh-CN" sz="2000" dirty="0" smtClean="0"/>
           </a:p>
@@ -19245,9 +19618,21 @@
             <a:pPr lvl="1"/>
             <a:r>
               <a:rPr lang="zh-CN" altLang="en-US" sz="2000" dirty="0" smtClean="0"/>
-              <a:t>风险应对措施必须与风险的重要性相匹配，经济、可行</a:t>
-            </a:r>
-            <a:endParaRPr lang="zh-CN" altLang="en-US" sz="2000" dirty="0" smtClean="0"/>
+              <a:t>风险应对措施必须与风险的</a:t>
+            </a:r>
+            <a:r>
+              <a:rPr lang="zh-CN" altLang="en-US" sz="2000" dirty="0" smtClean="0">
+                <a:solidFill>
+                  <a:srgbClr val="FF0000"/>
+                </a:solidFill>
+              </a:rPr>
+              <a:t>重要性相匹配，经济、可行</a:t>
+            </a:r>
+            <a:endParaRPr lang="zh-CN" altLang="en-US" sz="2000" dirty="0" smtClean="0">
+              <a:solidFill>
+                <a:srgbClr val="FF0000"/>
+              </a:solidFill>
+            </a:endParaRPr>
           </a:p>
         </p:txBody>
       </p:sp>
@@ -19319,7 +19704,7 @@
         <p:spPr>
           <a:xfrm>
             <a:off x="400685" y="1489075"/>
-            <a:ext cx="10905490" cy="4313555"/>
+            <a:ext cx="10904855" cy="4313555"/>
           </a:xfrm>
         </p:spPr>
         <p:txBody>
@@ -19332,7 +19717,19 @@
             </a:pPr>
             <a:r>
               <a:rPr lang="zh-CN" altLang="en-US" sz="2400" dirty="0" smtClean="0"/>
-              <a:t>回避。改变项目管理计划，以完全消除威胁。如延长进度、缩小范围等</a:t>
+              <a:t>回避。改变项目管理计划，以完全消除威胁。如</a:t>
+            </a:r>
+            <a:r>
+              <a:rPr lang="zh-CN" altLang="en-US" sz="2400" dirty="0" smtClean="0">
+                <a:solidFill>
+                  <a:srgbClr val="FF0000"/>
+                </a:solidFill>
+              </a:rPr>
+              <a:t>延长进度、缩小范围</a:t>
+            </a:r>
+            <a:r>
+              <a:rPr lang="zh-CN" altLang="en-US" sz="2400" dirty="0" smtClean="0"/>
+              <a:t>等</a:t>
             </a:r>
             <a:endParaRPr lang="en-US" altLang="zh-CN" sz="2400" dirty="0" smtClean="0"/>
           </a:p>
@@ -19343,7 +19740,15 @@
             </a:pPr>
             <a:r>
               <a:rPr lang="zh-CN" altLang="en-US" sz="2400" dirty="0" smtClean="0"/>
-              <a:t>转移。把某风险的部分或全部消极影响连同应对责任转移给第三方。通常需要支付风险费用，例如保险、外包</a:t>
+              <a:t>转移。把某风险的部分或全部消极影响连同应对责任转移给第三方。通常需要支付风险费用，例如</a:t>
+            </a:r>
+            <a:r>
+              <a:rPr lang="zh-CN" altLang="en-US" sz="2400" dirty="0" smtClean="0">
+                <a:solidFill>
+                  <a:srgbClr val="FF0000"/>
+                </a:solidFill>
+              </a:rPr>
+              <a:t>保险、外包</a:t>
             </a:r>
             <a:endParaRPr lang="en-US" altLang="zh-CN" sz="2400" dirty="0" smtClean="0"/>
           </a:p>
@@ -19362,7 +19767,27 @@
             </a:r>
             <a:r>
               <a:rPr lang="zh-CN" altLang="en-US" sz="2400" dirty="0" smtClean="0"/>
-              <a:t>或影响降低到可接受的临界值范围内。例如进行更多的测试、选用比较稳定的供应商</a:t>
+              <a:t>或影响降低到可接受的临界值范围内。例如进行</a:t>
+            </a:r>
+            <a:r>
+              <a:rPr lang="zh-CN" altLang="en-US" sz="2400" dirty="0" smtClean="0">
+                <a:solidFill>
+                  <a:srgbClr val="FF0000"/>
+                </a:solidFill>
+              </a:rPr>
+              <a:t>更多的测试</a:t>
+            </a:r>
+            <a:r>
+              <a:rPr lang="zh-CN" altLang="en-US" sz="2400" dirty="0" smtClean="0"/>
+              <a:t>、选用比较</a:t>
+            </a:r>
+            <a:r>
+              <a:rPr lang="zh-CN" altLang="en-US" sz="2400" dirty="0" smtClean="0">
+                <a:solidFill>
+                  <a:srgbClr val="FF0000"/>
+                </a:solidFill>
+              </a:rPr>
+              <a:t>稳定的供应商</a:t>
             </a:r>
             <a:endParaRPr lang="en-US" altLang="zh-CN" sz="2400" dirty="0" smtClean="0"/>
           </a:p>
@@ -19373,7 +19798,31 @@
             </a:pPr>
             <a:r>
               <a:rPr lang="zh-CN" altLang="en-US" sz="2400" dirty="0" smtClean="0"/>
-              <a:t>接受。接受风险意味着项目团队决定不为处理某风险而变更项目管理计划，或无法找到任何其他的合理应对策略。通过建立应急储备（成本 、时间）主动接受风险</a:t>
+              <a:t>接受。接受风险意味着项目团队决定</a:t>
+            </a:r>
+            <a:r>
+              <a:rPr lang="zh-CN" altLang="en-US" sz="2400" dirty="0" smtClean="0">
+                <a:solidFill>
+                  <a:srgbClr val="FF0000"/>
+                </a:solidFill>
+              </a:rPr>
+              <a:t>不为处理某风险而变更</a:t>
+            </a:r>
+            <a:r>
+              <a:rPr lang="zh-CN" altLang="en-US" sz="2400" dirty="0" smtClean="0"/>
+              <a:t>项目管理计划，或无法找到任何其他的合理应对策略。通过建立</a:t>
+            </a:r>
+            <a:r>
+              <a:rPr lang="zh-CN" altLang="en-US" sz="2400" dirty="0" smtClean="0">
+                <a:solidFill>
+                  <a:srgbClr val="FF0000"/>
+                </a:solidFill>
+              </a:rPr>
+              <a:t>应急储备</a:t>
+            </a:r>
+            <a:r>
+              <a:rPr lang="zh-CN" altLang="en-US" sz="2400" dirty="0" smtClean="0"/>
+              <a:t>（成本 、时间）主动接受风险，如航班因天气原因延误</a:t>
             </a:r>
             <a:endParaRPr lang="en-US" altLang="zh-CN" sz="2400" dirty="0" smtClean="0"/>
           </a:p>
@@ -19476,7 +19925,19 @@
             </a:r>
             <a:r>
               <a:rPr lang="zh-CN" altLang="en-US" sz="2400" dirty="0" smtClean="0"/>
-              <a:t>机会得以实现，就可对具有积极影响的风险采取本策略。例如把组织中最有能力的资源分派给项目，来缩短完成时间或节约成本</a:t>
+              <a:t>机会得以实现，就可对具有积极影响的风险采取本策略来</a:t>
+            </a:r>
+            <a:r>
+              <a:rPr lang="zh-CN" altLang="en-US" sz="2400" dirty="0" smtClean="0">
+                <a:solidFill>
+                  <a:srgbClr val="FF0000"/>
+                </a:solidFill>
+              </a:rPr>
+              <a:t>创造机会</a:t>
+            </a:r>
+            <a:r>
+              <a:rPr lang="zh-CN" altLang="en-US" sz="2400" dirty="0" smtClean="0"/>
+              <a:t>。例如把组织中最有能力的资源分派给项目，来缩短完成时间或节约成本</a:t>
             </a:r>
             <a:endParaRPr lang="en-US" altLang="zh-CN" sz="2400" dirty="0" smtClean="0"/>
           </a:p>
@@ -19487,7 +19948,15 @@
             </a:pPr>
             <a:r>
               <a:rPr lang="zh-CN" altLang="en-US" sz="2400" dirty="0" smtClean="0"/>
-              <a:t> 分享。把应对机会的部分或全部责任分配给最能为项目利益抓住该机会的第三方，例如合资公司</a:t>
+              <a:t> 分享。把应对机会的部分或全部责任分配给最能为项目利益抓住该机会的第三方，例如</a:t>
+            </a:r>
+            <a:r>
+              <a:rPr lang="zh-CN" altLang="en-US" sz="2400" dirty="0" smtClean="0">
+                <a:solidFill>
+                  <a:srgbClr val="FF0000"/>
+                </a:solidFill>
+              </a:rPr>
+              <a:t>合资公司</a:t>
             </a:r>
             <a:endParaRPr lang="en-US" altLang="zh-CN" sz="2400" dirty="0" smtClean="0"/>
           </a:p>
@@ -19510,7 +19979,19 @@
             </a:r>
             <a:r>
               <a:rPr lang="zh-CN" altLang="en-US" sz="2400" dirty="0" smtClean="0"/>
-              <a:t>机会发生的概率。例如为尽早完成活动而增加资源</a:t>
+              <a:t>机会发生的</a:t>
+            </a:r>
+            <a:r>
+              <a:rPr lang="zh-CN" altLang="en-US" sz="2400" dirty="0" smtClean="0">
+                <a:solidFill>
+                  <a:srgbClr val="FF0000"/>
+                </a:solidFill>
+              </a:rPr>
+              <a:t>概率</a:t>
+            </a:r>
+            <a:r>
+              <a:rPr lang="zh-CN" altLang="en-US" sz="2400" dirty="0" smtClean="0"/>
+              <a:t>。例如为尽早完成活动而增加资源</a:t>
             </a:r>
             <a:endParaRPr lang="en-US" altLang="zh-CN" sz="2400" dirty="0" smtClean="0"/>
           </a:p>
@@ -19634,7 +20115,19 @@
           <a:p>
             <a:r>
               <a:rPr lang="zh-CN" altLang="en-US" sz="2400" dirty="0" smtClean="0"/>
-              <a:t>风险不是一次整理到位，也不是固定不变的，随项目进展如上过程是反复</a:t>
+              <a:t>风险不是一次整理到位，也</a:t>
+            </a:r>
+            <a:r>
+              <a:rPr lang="zh-CN" altLang="en-US" sz="2400" dirty="0" smtClean="0">
+                <a:solidFill>
+                  <a:srgbClr val="FF0000"/>
+                </a:solidFill>
+              </a:rPr>
+              <a:t>不是固定不变的</a:t>
+            </a:r>
+            <a:r>
+              <a:rPr lang="zh-CN" altLang="en-US" sz="2400" dirty="0" smtClean="0"/>
+              <a:t>，随项目进展如上过程是反复</a:t>
             </a:r>
             <a:r>
               <a:rPr lang="zh-CN" altLang="en-US" sz="2400" dirty="0"/>
@@ -21095,219 +21588,9 @@
   <p:timing>
     <p:tnLst>
       <p:par>
-        <p:cTn id="1" dur="indefinite" restart="never" nodeType="tmRoot">
-          <p:childTnLst>
-            <p:seq concurrent="1" nextAc="seek">
-              <p:cTn id="2" dur="indefinite" nodeType="mainSeq">
-                <p:childTnLst>
-                  <p:par>
-                    <p:cTn id="3" fill="hold">
-                      <p:stCondLst>
-                        <p:cond delay="indefinite"/>
-                      </p:stCondLst>
-                      <p:childTnLst>
-                        <p:par>
-                          <p:cTn id="4" fill="hold">
-                            <p:stCondLst>
-                              <p:cond delay="0"/>
-                            </p:stCondLst>
-                            <p:childTnLst>
-                              <p:par>
-                                <p:cTn id="5" presetID="2" presetClass="entr" presetSubtype="4" fill="hold" grpId="0" nodeType="clickEffect">
-                                  <p:stCondLst>
-                                    <p:cond delay="0"/>
-                                  </p:stCondLst>
-                                  <p:childTnLst>
-                                    <p:set>
-                                      <p:cBhvr>
-                                        <p:cTn id="6" dur="1" fill="hold">
-                                          <p:stCondLst>
-                                            <p:cond delay="0"/>
-                                          </p:stCondLst>
-                                        </p:cTn>
-                                        <p:tgtEl>
-                                          <p:spTgt spid="7"/>
-                                        </p:tgtEl>
-                                        <p:attrNameLst>
-                                          <p:attrName>style.visibility</p:attrName>
-                                        </p:attrNameLst>
-                                      </p:cBhvr>
-                                      <p:to>
-                                        <p:strVal val="visible"/>
-                                      </p:to>
-                                    </p:set>
-                                    <p:anim calcmode="lin" valueType="num">
-                                      <p:cBhvr additive="base">
-                                        <p:cTn id="7" dur="500" fill="hold"/>
-                                        <p:tgtEl>
-                                          <p:spTgt spid="7"/>
-                                        </p:tgtEl>
-                                        <p:attrNameLst>
-                                          <p:attrName>ppt_x</p:attrName>
-                                        </p:attrNameLst>
-                                      </p:cBhvr>
-                                      <p:tavLst>
-                                        <p:tav tm="0">
-                                          <p:val>
-                                            <p:strVal val="#ppt_x"/>
-                                          </p:val>
-                                        </p:tav>
-                                        <p:tav tm="100000">
-                                          <p:val>
-                                            <p:strVal val="#ppt_x"/>
-                                          </p:val>
-                                        </p:tav>
-                                      </p:tavLst>
-                                    </p:anim>
-                                    <p:anim calcmode="lin" valueType="num">
-                                      <p:cBhvr additive="base">
-                                        <p:cTn id="8" dur="500" fill="hold"/>
-                                        <p:tgtEl>
-                                          <p:spTgt spid="7"/>
-                                        </p:tgtEl>
-                                        <p:attrNameLst>
-                                          <p:attrName>ppt_y</p:attrName>
-                                        </p:attrNameLst>
-                                      </p:cBhvr>
-                                      <p:tavLst>
-                                        <p:tav tm="0">
-                                          <p:val>
-                                            <p:strVal val="1+#ppt_h/2"/>
-                                          </p:val>
-                                        </p:tav>
-                                        <p:tav tm="100000">
-                                          <p:val>
-                                            <p:strVal val="#ppt_y"/>
-                                          </p:val>
-                                        </p:tav>
-                                      </p:tavLst>
-                                    </p:anim>
-                                  </p:childTnLst>
-                                </p:cTn>
-                              </p:par>
-                            </p:childTnLst>
-                          </p:cTn>
-                        </p:par>
-                      </p:childTnLst>
-                    </p:cTn>
-                  </p:par>
-                  <p:par>
-                    <p:cTn id="9" fill="hold">
-                      <p:stCondLst>
-                        <p:cond delay="indefinite"/>
-                      </p:stCondLst>
-                      <p:childTnLst>
-                        <p:par>
-                          <p:cTn id="10" fill="hold">
-                            <p:stCondLst>
-                              <p:cond delay="0"/>
-                            </p:stCondLst>
-                            <p:childTnLst>
-                              <p:par>
-                                <p:cTn id="11" presetID="2" presetClass="entr" presetSubtype="4" fill="hold" nodeType="clickEffect">
-                                  <p:stCondLst>
-                                    <p:cond delay="0"/>
-                                  </p:stCondLst>
-                                  <p:childTnLst>
-                                    <p:set>
-                                      <p:cBhvr>
-                                        <p:cTn id="12" dur="1" fill="hold">
-                                          <p:stCondLst>
-                                            <p:cond delay="0"/>
-                                          </p:stCondLst>
-                                        </p:cTn>
-                                        <p:tgtEl>
-                                          <p:spTgt spid="8"/>
-                                        </p:tgtEl>
-                                        <p:attrNameLst>
-                                          <p:attrName>style.visibility</p:attrName>
-                                        </p:attrNameLst>
-                                      </p:cBhvr>
-                                      <p:to>
-                                        <p:strVal val="visible"/>
-                                      </p:to>
-                                    </p:set>
-                                    <p:anim calcmode="lin" valueType="num">
-                                      <p:cBhvr additive="base">
-                                        <p:cTn id="13" dur="500" fill="hold"/>
-                                        <p:tgtEl>
-                                          <p:spTgt spid="8"/>
-                                        </p:tgtEl>
-                                        <p:attrNameLst>
-                                          <p:attrName>ppt_x</p:attrName>
-                                        </p:attrNameLst>
-                                      </p:cBhvr>
-                                      <p:tavLst>
-                                        <p:tav tm="0">
-                                          <p:val>
-                                            <p:strVal val="#ppt_x"/>
-                                          </p:val>
-                                        </p:tav>
-                                        <p:tav tm="100000">
-                                          <p:val>
-                                            <p:strVal val="#ppt_x"/>
-                                          </p:val>
-                                        </p:tav>
-                                      </p:tavLst>
-                                    </p:anim>
-                                    <p:anim calcmode="lin" valueType="num">
-                                      <p:cBhvr additive="base">
-                                        <p:cTn id="14" dur="500" fill="hold"/>
-                                        <p:tgtEl>
-                                          <p:spTgt spid="8"/>
-                                        </p:tgtEl>
-                                        <p:attrNameLst>
-                                          <p:attrName>ppt_y</p:attrName>
-                                        </p:attrNameLst>
-                                      </p:cBhvr>
-                                      <p:tavLst>
-                                        <p:tav tm="0">
-                                          <p:val>
-                                            <p:strVal val="1+#ppt_h/2"/>
-                                          </p:val>
-                                        </p:tav>
-                                        <p:tav tm="100000">
-                                          <p:val>
-                                            <p:strVal val="#ppt_y"/>
-                                          </p:val>
-                                        </p:tav>
-                                      </p:tavLst>
-                                    </p:anim>
-                                  </p:childTnLst>
-                                </p:cTn>
-                              </p:par>
-                            </p:childTnLst>
-                          </p:cTn>
-                        </p:par>
-                      </p:childTnLst>
-                    </p:cTn>
-                  </p:par>
-                </p:childTnLst>
-              </p:cTn>
-              <p:prevCondLst>
-                <p:cond evt="onPrev" delay="0">
-                  <p:tgtEl>
-                    <p:sldTgt/>
-                  </p:tgtEl>
-                </p:cond>
-              </p:prevCondLst>
-              <p:nextCondLst>
-                <p:cond evt="onNext" delay="0">
-                  <p:tgtEl>
-                    <p:sldTgt/>
-                  </p:tgtEl>
-                </p:cond>
-              </p:nextCondLst>
-            </p:seq>
-          </p:childTnLst>
-        </p:cTn>
+        <p:cTn id="1" dur="indefinite" restart="never" nodeType="tmRoot"/>
       </p:par>
     </p:tnLst>
-    <p:bldLst>
-      <p:bldGraphic spid="7" grpId="0">
-        <p:bldAsOne/>
-      </p:bldGraphic>
-    </p:bldLst>
   </p:timing>
 </p:sld>
 </file>
@@ -22886,1212 +23169,9 @@
   <p:timing>
     <p:tnLst>
       <p:par>
-        <p:cTn id="1" dur="indefinite" restart="never" nodeType="tmRoot">
-          <p:childTnLst>
-            <p:seq concurrent="1" nextAc="seek">
-              <p:cTn id="2" dur="indefinite" nodeType="mainSeq">
-                <p:childTnLst>
-                  <p:par>
-                    <p:cTn id="3" fill="hold">
-                      <p:stCondLst>
-                        <p:cond delay="indefinite"/>
-                      </p:stCondLst>
-                      <p:childTnLst>
-                        <p:par>
-                          <p:cTn id="4" fill="hold">
-                            <p:stCondLst>
-                              <p:cond delay="0"/>
-                            </p:stCondLst>
-                            <p:childTnLst>
-                              <p:par>
-                                <p:cTn id="5" presetID="3" presetClass="entr" presetSubtype="10" fill="hold" grpId="0" nodeType="clickEffect">
-                                  <p:stCondLst>
-                                    <p:cond delay="0"/>
-                                  </p:stCondLst>
-                                  <p:childTnLst>
-                                    <p:set>
-                                      <p:cBhvr>
-                                        <p:cTn id="6" dur="1" fill="hold">
-                                          <p:stCondLst>
-                                            <p:cond delay="0"/>
-                                          </p:stCondLst>
-                                        </p:cTn>
-                                        <p:tgtEl>
-                                          <p:spTgt spid="6"/>
-                                        </p:tgtEl>
-                                        <p:attrNameLst>
-                                          <p:attrName>style.visibility</p:attrName>
-                                        </p:attrNameLst>
-                                      </p:cBhvr>
-                                      <p:to>
-                                        <p:strVal val="visible"/>
-                                      </p:to>
-                                    </p:set>
-                                    <p:animEffect transition="in" filter="blinds(horizontal)">
-                                      <p:cBhvr>
-                                        <p:cTn id="7" dur="500"/>
-                                        <p:tgtEl>
-                                          <p:spTgt spid="6"/>
-                                        </p:tgtEl>
-                                      </p:cBhvr>
-                                    </p:animEffect>
-                                  </p:childTnLst>
-                                </p:cTn>
-                              </p:par>
-                            </p:childTnLst>
-                          </p:cTn>
-                        </p:par>
-                      </p:childTnLst>
-                    </p:cTn>
-                  </p:par>
-                  <p:par>
-                    <p:cTn id="8" fill="hold">
-                      <p:stCondLst>
-                        <p:cond delay="indefinite"/>
-                      </p:stCondLst>
-                      <p:childTnLst>
-                        <p:par>
-                          <p:cTn id="9" fill="hold">
-                            <p:stCondLst>
-                              <p:cond delay="0"/>
-                            </p:stCondLst>
-                            <p:childTnLst>
-                              <p:par>
-                                <p:cTn id="10" presetID="3" presetClass="entr" presetSubtype="10" fill="hold" nodeType="clickEffect">
-                                  <p:stCondLst>
-                                    <p:cond delay="0"/>
-                                  </p:stCondLst>
-                                  <p:childTnLst>
-                                    <p:set>
-                                      <p:cBhvr>
-                                        <p:cTn id="11" dur="1" fill="hold">
-                                          <p:stCondLst>
-                                            <p:cond delay="0"/>
-                                          </p:stCondLst>
-                                        </p:cTn>
-                                        <p:tgtEl>
-                                          <p:spTgt spid="18"/>
-                                        </p:tgtEl>
-                                        <p:attrNameLst>
-                                          <p:attrName>style.visibility</p:attrName>
-                                        </p:attrNameLst>
-                                      </p:cBhvr>
-                                      <p:to>
-                                        <p:strVal val="visible"/>
-                                      </p:to>
-                                    </p:set>
-                                    <p:animEffect transition="in" filter="blinds(horizontal)">
-                                      <p:cBhvr>
-                                        <p:cTn id="12" dur="500"/>
-                                        <p:tgtEl>
-                                          <p:spTgt spid="18"/>
-                                        </p:tgtEl>
-                                      </p:cBhvr>
-                                    </p:animEffect>
-                                  </p:childTnLst>
-                                </p:cTn>
-                              </p:par>
-                              <p:par>
-                                <p:cTn id="13" presetID="3" presetClass="entr" presetSubtype="10" fill="hold" grpId="0" nodeType="withEffect">
-                                  <p:stCondLst>
-                                    <p:cond delay="0"/>
-                                  </p:stCondLst>
-                                  <p:childTnLst>
-                                    <p:set>
-                                      <p:cBhvr>
-                                        <p:cTn id="14" dur="1" fill="hold">
-                                          <p:stCondLst>
-                                            <p:cond delay="0"/>
-                                          </p:stCondLst>
-                                        </p:cTn>
-                                        <p:tgtEl>
-                                          <p:spTgt spid="7"/>
-                                        </p:tgtEl>
-                                        <p:attrNameLst>
-                                          <p:attrName>style.visibility</p:attrName>
-                                        </p:attrNameLst>
-                                      </p:cBhvr>
-                                      <p:to>
-                                        <p:strVal val="visible"/>
-                                      </p:to>
-                                    </p:set>
-                                    <p:animEffect transition="in" filter="blinds(horizontal)">
-                                      <p:cBhvr>
-                                        <p:cTn id="15" dur="500"/>
-                                        <p:tgtEl>
-                                          <p:spTgt spid="7"/>
-                                        </p:tgtEl>
-                                      </p:cBhvr>
-                                    </p:animEffect>
-                                  </p:childTnLst>
-                                </p:cTn>
-                              </p:par>
-                            </p:childTnLst>
-                          </p:cTn>
-                        </p:par>
-                      </p:childTnLst>
-                    </p:cTn>
-                  </p:par>
-                  <p:par>
-                    <p:cTn id="16" fill="hold">
-                      <p:stCondLst>
-                        <p:cond delay="indefinite"/>
-                      </p:stCondLst>
-                      <p:childTnLst>
-                        <p:par>
-                          <p:cTn id="17" fill="hold">
-                            <p:stCondLst>
-                              <p:cond delay="0"/>
-                            </p:stCondLst>
-                            <p:childTnLst>
-                              <p:par>
-                                <p:cTn id="18" presetID="3" presetClass="entr" presetSubtype="10" fill="hold" nodeType="clickEffect">
-                                  <p:stCondLst>
-                                    <p:cond delay="0"/>
-                                  </p:stCondLst>
-                                  <p:childTnLst>
-                                    <p:set>
-                                      <p:cBhvr>
-                                        <p:cTn id="19" dur="1" fill="hold">
-                                          <p:stCondLst>
-                                            <p:cond delay="0"/>
-                                          </p:stCondLst>
-                                        </p:cTn>
-                                        <p:tgtEl>
-                                          <p:spTgt spid="20"/>
-                                        </p:tgtEl>
-                                        <p:attrNameLst>
-                                          <p:attrName>style.visibility</p:attrName>
-                                        </p:attrNameLst>
-                                      </p:cBhvr>
-                                      <p:to>
-                                        <p:strVal val="visible"/>
-                                      </p:to>
-                                    </p:set>
-                                    <p:animEffect transition="in" filter="blinds(horizontal)">
-                                      <p:cBhvr>
-                                        <p:cTn id="20" dur="500"/>
-                                        <p:tgtEl>
-                                          <p:spTgt spid="20"/>
-                                        </p:tgtEl>
-                                      </p:cBhvr>
-                                    </p:animEffect>
-                                  </p:childTnLst>
-                                </p:cTn>
-                              </p:par>
-                              <p:par>
-                                <p:cTn id="21" presetID="3" presetClass="entr" presetSubtype="10" fill="hold" grpId="0" nodeType="withEffect">
-                                  <p:stCondLst>
-                                    <p:cond delay="0"/>
-                                  </p:stCondLst>
-                                  <p:childTnLst>
-                                    <p:set>
-                                      <p:cBhvr>
-                                        <p:cTn id="22" dur="1" fill="hold">
-                                          <p:stCondLst>
-                                            <p:cond delay="0"/>
-                                          </p:stCondLst>
-                                        </p:cTn>
-                                        <p:tgtEl>
-                                          <p:spTgt spid="8"/>
-                                        </p:tgtEl>
-                                        <p:attrNameLst>
-                                          <p:attrName>style.visibility</p:attrName>
-                                        </p:attrNameLst>
-                                      </p:cBhvr>
-                                      <p:to>
-                                        <p:strVal val="visible"/>
-                                      </p:to>
-                                    </p:set>
-                                    <p:animEffect transition="in" filter="blinds(horizontal)">
-                                      <p:cBhvr>
-                                        <p:cTn id="23" dur="500"/>
-                                        <p:tgtEl>
-                                          <p:spTgt spid="8"/>
-                                        </p:tgtEl>
-                                      </p:cBhvr>
-                                    </p:animEffect>
-                                  </p:childTnLst>
-                                </p:cTn>
-                              </p:par>
-                            </p:childTnLst>
-                          </p:cTn>
-                        </p:par>
-                      </p:childTnLst>
-                    </p:cTn>
-                  </p:par>
-                  <p:par>
-                    <p:cTn id="24" fill="hold">
-                      <p:stCondLst>
-                        <p:cond delay="indefinite"/>
-                      </p:stCondLst>
-                      <p:childTnLst>
-                        <p:par>
-                          <p:cTn id="25" fill="hold">
-                            <p:stCondLst>
-                              <p:cond delay="0"/>
-                            </p:stCondLst>
-                            <p:childTnLst>
-                              <p:par>
-                                <p:cTn id="26" presetID="3" presetClass="entr" presetSubtype="10" fill="hold" nodeType="clickEffect">
-                                  <p:stCondLst>
-                                    <p:cond delay="0"/>
-                                  </p:stCondLst>
-                                  <p:childTnLst>
-                                    <p:set>
-                                      <p:cBhvr>
-                                        <p:cTn id="27" dur="1" fill="hold">
-                                          <p:stCondLst>
-                                            <p:cond delay="0"/>
-                                          </p:stCondLst>
-                                        </p:cTn>
-                                        <p:tgtEl>
-                                          <p:spTgt spid="22"/>
-                                        </p:tgtEl>
-                                        <p:attrNameLst>
-                                          <p:attrName>style.visibility</p:attrName>
-                                        </p:attrNameLst>
-                                      </p:cBhvr>
-                                      <p:to>
-                                        <p:strVal val="visible"/>
-                                      </p:to>
-                                    </p:set>
-                                    <p:animEffect transition="in" filter="blinds(horizontal)">
-                                      <p:cBhvr>
-                                        <p:cTn id="28" dur="500"/>
-                                        <p:tgtEl>
-                                          <p:spTgt spid="22"/>
-                                        </p:tgtEl>
-                                      </p:cBhvr>
-                                    </p:animEffect>
-                                  </p:childTnLst>
-                                </p:cTn>
-                              </p:par>
-                              <p:par>
-                                <p:cTn id="29" presetID="3" presetClass="entr" presetSubtype="10" fill="hold" grpId="0" nodeType="withEffect">
-                                  <p:stCondLst>
-                                    <p:cond delay="0"/>
-                                  </p:stCondLst>
-                                  <p:childTnLst>
-                                    <p:set>
-                                      <p:cBhvr>
-                                        <p:cTn id="30" dur="1" fill="hold">
-                                          <p:stCondLst>
-                                            <p:cond delay="0"/>
-                                          </p:stCondLst>
-                                        </p:cTn>
-                                        <p:tgtEl>
-                                          <p:spTgt spid="9"/>
-                                        </p:tgtEl>
-                                        <p:attrNameLst>
-                                          <p:attrName>style.visibility</p:attrName>
-                                        </p:attrNameLst>
-                                      </p:cBhvr>
-                                      <p:to>
-                                        <p:strVal val="visible"/>
-                                      </p:to>
-                                    </p:set>
-                                    <p:animEffect transition="in" filter="blinds(horizontal)">
-                                      <p:cBhvr>
-                                        <p:cTn id="31" dur="500"/>
-                                        <p:tgtEl>
-                                          <p:spTgt spid="9"/>
-                                        </p:tgtEl>
-                                      </p:cBhvr>
-                                    </p:animEffect>
-                                  </p:childTnLst>
-                                </p:cTn>
-                              </p:par>
-                            </p:childTnLst>
-                          </p:cTn>
-                        </p:par>
-                      </p:childTnLst>
-                    </p:cTn>
-                  </p:par>
-                  <p:par>
-                    <p:cTn id="32" fill="hold">
-                      <p:stCondLst>
-                        <p:cond delay="indefinite"/>
-                      </p:stCondLst>
-                      <p:childTnLst>
-                        <p:par>
-                          <p:cTn id="33" fill="hold">
-                            <p:stCondLst>
-                              <p:cond delay="0"/>
-                            </p:stCondLst>
-                            <p:childTnLst>
-                              <p:par>
-                                <p:cTn id="34" presetID="3" presetClass="entr" presetSubtype="10" fill="hold" nodeType="clickEffect">
-                                  <p:stCondLst>
-                                    <p:cond delay="0"/>
-                                  </p:stCondLst>
-                                  <p:childTnLst>
-                                    <p:set>
-                                      <p:cBhvr>
-                                        <p:cTn id="35" dur="1" fill="hold">
-                                          <p:stCondLst>
-                                            <p:cond delay="0"/>
-                                          </p:stCondLst>
-                                        </p:cTn>
-                                        <p:tgtEl>
-                                          <p:spTgt spid="24"/>
-                                        </p:tgtEl>
-                                        <p:attrNameLst>
-                                          <p:attrName>style.visibility</p:attrName>
-                                        </p:attrNameLst>
-                                      </p:cBhvr>
-                                      <p:to>
-                                        <p:strVal val="visible"/>
-                                      </p:to>
-                                    </p:set>
-                                    <p:animEffect transition="in" filter="blinds(horizontal)">
-                                      <p:cBhvr>
-                                        <p:cTn id="36" dur="500"/>
-                                        <p:tgtEl>
-                                          <p:spTgt spid="24"/>
-                                        </p:tgtEl>
-                                      </p:cBhvr>
-                                    </p:animEffect>
-                                  </p:childTnLst>
-                                </p:cTn>
-                              </p:par>
-                              <p:par>
-                                <p:cTn id="37" presetID="3" presetClass="entr" presetSubtype="10" fill="hold" nodeType="withEffect">
-                                  <p:stCondLst>
-                                    <p:cond delay="0"/>
-                                  </p:stCondLst>
-                                  <p:childTnLst>
-                                    <p:set>
-                                      <p:cBhvr>
-                                        <p:cTn id="38" dur="1" fill="hold">
-                                          <p:stCondLst>
-                                            <p:cond delay="0"/>
-                                          </p:stCondLst>
-                                        </p:cTn>
-                                        <p:tgtEl>
-                                          <p:spTgt spid="26"/>
-                                        </p:tgtEl>
-                                        <p:attrNameLst>
-                                          <p:attrName>style.visibility</p:attrName>
-                                        </p:attrNameLst>
-                                      </p:cBhvr>
-                                      <p:to>
-                                        <p:strVal val="visible"/>
-                                      </p:to>
-                                    </p:set>
-                                    <p:animEffect transition="in" filter="blinds(horizontal)">
-                                      <p:cBhvr>
-                                        <p:cTn id="39" dur="500"/>
-                                        <p:tgtEl>
-                                          <p:spTgt spid="26"/>
-                                        </p:tgtEl>
-                                      </p:cBhvr>
-                                    </p:animEffect>
-                                  </p:childTnLst>
-                                </p:cTn>
-                              </p:par>
-                              <p:par>
-                                <p:cTn id="40" presetID="3" presetClass="entr" presetSubtype="10" fill="hold" nodeType="withEffect">
-                                  <p:stCondLst>
-                                    <p:cond delay="0"/>
-                                  </p:stCondLst>
-                                  <p:childTnLst>
-                                    <p:set>
-                                      <p:cBhvr>
-                                        <p:cTn id="41" dur="1" fill="hold">
-                                          <p:stCondLst>
-                                            <p:cond delay="0"/>
-                                          </p:stCondLst>
-                                        </p:cTn>
-                                        <p:tgtEl>
-                                          <p:spTgt spid="30"/>
-                                        </p:tgtEl>
-                                        <p:attrNameLst>
-                                          <p:attrName>style.visibility</p:attrName>
-                                        </p:attrNameLst>
-                                      </p:cBhvr>
-                                      <p:to>
-                                        <p:strVal val="visible"/>
-                                      </p:to>
-                                    </p:set>
-                                    <p:animEffect transition="in" filter="blinds(horizontal)">
-                                      <p:cBhvr>
-                                        <p:cTn id="42" dur="500"/>
-                                        <p:tgtEl>
-                                          <p:spTgt spid="30"/>
-                                        </p:tgtEl>
-                                      </p:cBhvr>
-                                    </p:animEffect>
-                                  </p:childTnLst>
-                                </p:cTn>
-                              </p:par>
-                              <p:par>
-                                <p:cTn id="43" presetID="3" presetClass="entr" presetSubtype="10" fill="hold" grpId="0" nodeType="withEffect">
-                                  <p:stCondLst>
-                                    <p:cond delay="0"/>
-                                  </p:stCondLst>
-                                  <p:childTnLst>
-                                    <p:set>
-                                      <p:cBhvr>
-                                        <p:cTn id="44" dur="1" fill="hold">
-                                          <p:stCondLst>
-                                            <p:cond delay="0"/>
-                                          </p:stCondLst>
-                                        </p:cTn>
-                                        <p:tgtEl>
-                                          <p:spTgt spid="10"/>
-                                        </p:tgtEl>
-                                        <p:attrNameLst>
-                                          <p:attrName>style.visibility</p:attrName>
-                                        </p:attrNameLst>
-                                      </p:cBhvr>
-                                      <p:to>
-                                        <p:strVal val="visible"/>
-                                      </p:to>
-                                    </p:set>
-                                    <p:animEffect transition="in" filter="blinds(horizontal)">
-                                      <p:cBhvr>
-                                        <p:cTn id="45" dur="500"/>
-                                        <p:tgtEl>
-                                          <p:spTgt spid="10"/>
-                                        </p:tgtEl>
-                                      </p:cBhvr>
-                                    </p:animEffect>
-                                  </p:childTnLst>
-                                </p:cTn>
-                              </p:par>
-                            </p:childTnLst>
-                          </p:cTn>
-                        </p:par>
-                      </p:childTnLst>
-                    </p:cTn>
-                  </p:par>
-                  <p:par>
-                    <p:cTn id="46" fill="hold">
-                      <p:stCondLst>
-                        <p:cond delay="indefinite"/>
-                      </p:stCondLst>
-                      <p:childTnLst>
-                        <p:par>
-                          <p:cTn id="47" fill="hold">
-                            <p:stCondLst>
-                              <p:cond delay="0"/>
-                            </p:stCondLst>
-                            <p:childTnLst>
-                              <p:par>
-                                <p:cTn id="48" presetID="3" presetClass="entr" presetSubtype="10" fill="hold" nodeType="clickEffect">
-                                  <p:stCondLst>
-                                    <p:cond delay="0"/>
-                                  </p:stCondLst>
-                                  <p:childTnLst>
-                                    <p:set>
-                                      <p:cBhvr>
-                                        <p:cTn id="49" dur="1" fill="hold">
-                                          <p:stCondLst>
-                                            <p:cond delay="0"/>
-                                          </p:stCondLst>
-                                        </p:cTn>
-                                        <p:tgtEl>
-                                          <p:spTgt spid="32"/>
-                                        </p:tgtEl>
-                                        <p:attrNameLst>
-                                          <p:attrName>style.visibility</p:attrName>
-                                        </p:attrNameLst>
-                                      </p:cBhvr>
-                                      <p:to>
-                                        <p:strVal val="visible"/>
-                                      </p:to>
-                                    </p:set>
-                                    <p:animEffect transition="in" filter="blinds(horizontal)">
-                                      <p:cBhvr>
-                                        <p:cTn id="50" dur="500"/>
-                                        <p:tgtEl>
-                                          <p:spTgt spid="32"/>
-                                        </p:tgtEl>
-                                      </p:cBhvr>
-                                    </p:animEffect>
-                                  </p:childTnLst>
-                                </p:cTn>
-                              </p:par>
-                              <p:par>
-                                <p:cTn id="51" presetID="3" presetClass="entr" presetSubtype="10" fill="hold" grpId="0" nodeType="withEffect">
-                                  <p:stCondLst>
-                                    <p:cond delay="0"/>
-                                  </p:stCondLst>
-                                  <p:childTnLst>
-                                    <p:set>
-                                      <p:cBhvr>
-                                        <p:cTn id="52" dur="1" fill="hold">
-                                          <p:stCondLst>
-                                            <p:cond delay="0"/>
-                                          </p:stCondLst>
-                                        </p:cTn>
-                                        <p:tgtEl>
-                                          <p:spTgt spid="12"/>
-                                        </p:tgtEl>
-                                        <p:attrNameLst>
-                                          <p:attrName>style.visibility</p:attrName>
-                                        </p:attrNameLst>
-                                      </p:cBhvr>
-                                      <p:to>
-                                        <p:strVal val="visible"/>
-                                      </p:to>
-                                    </p:set>
-                                    <p:animEffect transition="in" filter="blinds(horizontal)">
-                                      <p:cBhvr>
-                                        <p:cTn id="53" dur="500"/>
-                                        <p:tgtEl>
-                                          <p:spTgt spid="12"/>
-                                        </p:tgtEl>
-                                      </p:cBhvr>
-                                    </p:animEffect>
-                                  </p:childTnLst>
-                                </p:cTn>
-                              </p:par>
-                            </p:childTnLst>
-                          </p:cTn>
-                        </p:par>
-                      </p:childTnLst>
-                    </p:cTn>
-                  </p:par>
-                  <p:par>
-                    <p:cTn id="54" fill="hold">
-                      <p:stCondLst>
-                        <p:cond delay="indefinite"/>
-                      </p:stCondLst>
-                      <p:childTnLst>
-                        <p:par>
-                          <p:cTn id="55" fill="hold">
-                            <p:stCondLst>
-                              <p:cond delay="0"/>
-                            </p:stCondLst>
-                            <p:childTnLst>
-                              <p:par>
-                                <p:cTn id="56" presetID="3" presetClass="entr" presetSubtype="10" fill="hold" nodeType="clickEffect">
-                                  <p:stCondLst>
-                                    <p:cond delay="0"/>
-                                  </p:stCondLst>
-                                  <p:childTnLst>
-                                    <p:set>
-                                      <p:cBhvr>
-                                        <p:cTn id="57" dur="1" fill="hold">
-                                          <p:stCondLst>
-                                            <p:cond delay="0"/>
-                                          </p:stCondLst>
-                                        </p:cTn>
-                                        <p:tgtEl>
-                                          <p:spTgt spid="34"/>
-                                        </p:tgtEl>
-                                        <p:attrNameLst>
-                                          <p:attrName>style.visibility</p:attrName>
-                                        </p:attrNameLst>
-                                      </p:cBhvr>
-                                      <p:to>
-                                        <p:strVal val="visible"/>
-                                      </p:to>
-                                    </p:set>
-                                    <p:animEffect transition="in" filter="blinds(horizontal)">
-                                      <p:cBhvr>
-                                        <p:cTn id="58" dur="500"/>
-                                        <p:tgtEl>
-                                          <p:spTgt spid="34"/>
-                                        </p:tgtEl>
-                                      </p:cBhvr>
-                                    </p:animEffect>
-                                  </p:childTnLst>
-                                </p:cTn>
-                              </p:par>
-                              <p:par>
-                                <p:cTn id="59" presetID="3" presetClass="entr" presetSubtype="10" fill="hold" grpId="0" nodeType="withEffect">
-                                  <p:stCondLst>
-                                    <p:cond delay="0"/>
-                                  </p:stCondLst>
-                                  <p:childTnLst>
-                                    <p:set>
-                                      <p:cBhvr>
-                                        <p:cTn id="60" dur="1" fill="hold">
-                                          <p:stCondLst>
-                                            <p:cond delay="0"/>
-                                          </p:stCondLst>
-                                        </p:cTn>
-                                        <p:tgtEl>
-                                          <p:spTgt spid="13"/>
-                                        </p:tgtEl>
-                                        <p:attrNameLst>
-                                          <p:attrName>style.visibility</p:attrName>
-                                        </p:attrNameLst>
-                                      </p:cBhvr>
-                                      <p:to>
-                                        <p:strVal val="visible"/>
-                                      </p:to>
-                                    </p:set>
-                                    <p:animEffect transition="in" filter="blinds(horizontal)">
-                                      <p:cBhvr>
-                                        <p:cTn id="61" dur="500"/>
-                                        <p:tgtEl>
-                                          <p:spTgt spid="13"/>
-                                        </p:tgtEl>
-                                      </p:cBhvr>
-                                    </p:animEffect>
-                                  </p:childTnLst>
-                                </p:cTn>
-                              </p:par>
-                            </p:childTnLst>
-                          </p:cTn>
-                        </p:par>
-                      </p:childTnLst>
-                    </p:cTn>
-                  </p:par>
-                  <p:par>
-                    <p:cTn id="62" fill="hold">
-                      <p:stCondLst>
-                        <p:cond delay="indefinite"/>
-                      </p:stCondLst>
-                      <p:childTnLst>
-                        <p:par>
-                          <p:cTn id="63" fill="hold">
-                            <p:stCondLst>
-                              <p:cond delay="0"/>
-                            </p:stCondLst>
-                            <p:childTnLst>
-                              <p:par>
-                                <p:cTn id="64" presetID="3" presetClass="entr" presetSubtype="10" fill="hold" nodeType="clickEffect">
-                                  <p:stCondLst>
-                                    <p:cond delay="0"/>
-                                  </p:stCondLst>
-                                  <p:childTnLst>
-                                    <p:set>
-                                      <p:cBhvr>
-                                        <p:cTn id="65" dur="1" fill="hold">
-                                          <p:stCondLst>
-                                            <p:cond delay="0"/>
-                                          </p:stCondLst>
-                                        </p:cTn>
-                                        <p:tgtEl>
-                                          <p:spTgt spid="36"/>
-                                        </p:tgtEl>
-                                        <p:attrNameLst>
-                                          <p:attrName>style.visibility</p:attrName>
-                                        </p:attrNameLst>
-                                      </p:cBhvr>
-                                      <p:to>
-                                        <p:strVal val="visible"/>
-                                      </p:to>
-                                    </p:set>
-                                    <p:animEffect transition="in" filter="blinds(horizontal)">
-                                      <p:cBhvr>
-                                        <p:cTn id="66" dur="500"/>
-                                        <p:tgtEl>
-                                          <p:spTgt spid="36"/>
-                                        </p:tgtEl>
-                                      </p:cBhvr>
-                                    </p:animEffect>
-                                  </p:childTnLst>
-                                </p:cTn>
-                              </p:par>
-                              <p:par>
-                                <p:cTn id="67" presetID="3" presetClass="entr" presetSubtype="10" fill="hold" nodeType="withEffect">
-                                  <p:stCondLst>
-                                    <p:cond delay="0"/>
-                                  </p:stCondLst>
-                                  <p:childTnLst>
-                                    <p:set>
-                                      <p:cBhvr>
-                                        <p:cTn id="68" dur="1" fill="hold">
-                                          <p:stCondLst>
-                                            <p:cond delay="0"/>
-                                          </p:stCondLst>
-                                        </p:cTn>
-                                        <p:tgtEl>
-                                          <p:spTgt spid="38"/>
-                                        </p:tgtEl>
-                                        <p:attrNameLst>
-                                          <p:attrName>style.visibility</p:attrName>
-                                        </p:attrNameLst>
-                                      </p:cBhvr>
-                                      <p:to>
-                                        <p:strVal val="visible"/>
-                                      </p:to>
-                                    </p:set>
-                                    <p:animEffect transition="in" filter="blinds(horizontal)">
-                                      <p:cBhvr>
-                                        <p:cTn id="69" dur="500"/>
-                                        <p:tgtEl>
-                                          <p:spTgt spid="38"/>
-                                        </p:tgtEl>
-                                      </p:cBhvr>
-                                    </p:animEffect>
-                                  </p:childTnLst>
-                                </p:cTn>
-                              </p:par>
-                              <p:par>
-                                <p:cTn id="70" presetID="3" presetClass="entr" presetSubtype="10" fill="hold" grpId="0" nodeType="withEffect">
-                                  <p:stCondLst>
-                                    <p:cond delay="0"/>
-                                  </p:stCondLst>
-                                  <p:childTnLst>
-                                    <p:set>
-                                      <p:cBhvr>
-                                        <p:cTn id="71" dur="1" fill="hold">
-                                          <p:stCondLst>
-                                            <p:cond delay="0"/>
-                                          </p:stCondLst>
-                                        </p:cTn>
-                                        <p:tgtEl>
-                                          <p:spTgt spid="14"/>
-                                        </p:tgtEl>
-                                        <p:attrNameLst>
-                                          <p:attrName>style.visibility</p:attrName>
-                                        </p:attrNameLst>
-                                      </p:cBhvr>
-                                      <p:to>
-                                        <p:strVal val="visible"/>
-                                      </p:to>
-                                    </p:set>
-                                    <p:animEffect transition="in" filter="blinds(horizontal)">
-                                      <p:cBhvr>
-                                        <p:cTn id="72" dur="500"/>
-                                        <p:tgtEl>
-                                          <p:spTgt spid="14"/>
-                                        </p:tgtEl>
-                                      </p:cBhvr>
-                                    </p:animEffect>
-                                  </p:childTnLst>
-                                </p:cTn>
-                              </p:par>
-                            </p:childTnLst>
-                          </p:cTn>
-                        </p:par>
-                      </p:childTnLst>
-                    </p:cTn>
-                  </p:par>
-                  <p:par>
-                    <p:cTn id="73" fill="hold">
-                      <p:stCondLst>
-                        <p:cond delay="indefinite"/>
-                      </p:stCondLst>
-                      <p:childTnLst>
-                        <p:par>
-                          <p:cTn id="74" fill="hold">
-                            <p:stCondLst>
-                              <p:cond delay="0"/>
-                            </p:stCondLst>
-                            <p:childTnLst>
-                              <p:par>
-                                <p:cTn id="75" presetID="3" presetClass="entr" presetSubtype="10" fill="hold" grpId="0" nodeType="clickEffect">
-                                  <p:stCondLst>
-                                    <p:cond delay="0"/>
-                                  </p:stCondLst>
-                                  <p:childTnLst>
-                                    <p:set>
-                                      <p:cBhvr>
-                                        <p:cTn id="76" dur="1" fill="hold">
-                                          <p:stCondLst>
-                                            <p:cond delay="0"/>
-                                          </p:stCondLst>
-                                        </p:cTn>
-                                        <p:tgtEl>
-                                          <p:spTgt spid="46"/>
-                                        </p:tgtEl>
-                                        <p:attrNameLst>
-                                          <p:attrName>style.visibility</p:attrName>
-                                        </p:attrNameLst>
-                                      </p:cBhvr>
-                                      <p:to>
-                                        <p:strVal val="visible"/>
-                                      </p:to>
-                                    </p:set>
-                                    <p:animEffect transition="in" filter="blinds(horizontal)">
-                                      <p:cBhvr>
-                                        <p:cTn id="77" dur="500"/>
-                                        <p:tgtEl>
-                                          <p:spTgt spid="46"/>
-                                        </p:tgtEl>
-                                      </p:cBhvr>
-                                    </p:animEffect>
-                                  </p:childTnLst>
-                                </p:cTn>
-                              </p:par>
-                              <p:par>
-                                <p:cTn id="78" presetID="3" presetClass="entr" presetSubtype="10" fill="hold" grpId="0" nodeType="withEffect">
-                                  <p:stCondLst>
-                                    <p:cond delay="0"/>
-                                  </p:stCondLst>
-                                  <p:childTnLst>
-                                    <p:set>
-                                      <p:cBhvr>
-                                        <p:cTn id="79" dur="1" fill="hold">
-                                          <p:stCondLst>
-                                            <p:cond delay="0"/>
-                                          </p:stCondLst>
-                                        </p:cTn>
-                                        <p:tgtEl>
-                                          <p:spTgt spid="45"/>
-                                        </p:tgtEl>
-                                        <p:attrNameLst>
-                                          <p:attrName>style.visibility</p:attrName>
-                                        </p:attrNameLst>
-                                      </p:cBhvr>
-                                      <p:to>
-                                        <p:strVal val="visible"/>
-                                      </p:to>
-                                    </p:set>
-                                    <p:animEffect transition="in" filter="blinds(horizontal)">
-                                      <p:cBhvr>
-                                        <p:cTn id="80" dur="500"/>
-                                        <p:tgtEl>
-                                          <p:spTgt spid="45"/>
-                                        </p:tgtEl>
-                                      </p:cBhvr>
-                                    </p:animEffect>
-                                  </p:childTnLst>
-                                </p:cTn>
-                              </p:par>
-                              <p:par>
-                                <p:cTn id="81" presetID="3" presetClass="entr" presetSubtype="10" fill="hold" grpId="0" nodeType="withEffect">
-                                  <p:stCondLst>
-                                    <p:cond delay="0"/>
-                                  </p:stCondLst>
-                                  <p:childTnLst>
-                                    <p:set>
-                                      <p:cBhvr>
-                                        <p:cTn id="82" dur="1" fill="hold">
-                                          <p:stCondLst>
-                                            <p:cond delay="0"/>
-                                          </p:stCondLst>
-                                        </p:cTn>
-                                        <p:tgtEl>
-                                          <p:spTgt spid="47"/>
-                                        </p:tgtEl>
-                                        <p:attrNameLst>
-                                          <p:attrName>style.visibility</p:attrName>
-                                        </p:attrNameLst>
-                                      </p:cBhvr>
-                                      <p:to>
-                                        <p:strVal val="visible"/>
-                                      </p:to>
-                                    </p:set>
-                                    <p:animEffect transition="in" filter="blinds(horizontal)">
-                                      <p:cBhvr>
-                                        <p:cTn id="83" dur="500"/>
-                                        <p:tgtEl>
-                                          <p:spTgt spid="47"/>
-                                        </p:tgtEl>
-                                      </p:cBhvr>
-                                    </p:animEffect>
-                                  </p:childTnLst>
-                                </p:cTn>
-                              </p:par>
-                              <p:par>
-                                <p:cTn id="84" presetID="3" presetClass="entr" presetSubtype="10" fill="hold" grpId="0" nodeType="withEffect">
-                                  <p:stCondLst>
-                                    <p:cond delay="0"/>
-                                  </p:stCondLst>
-                                  <p:childTnLst>
-                                    <p:set>
-                                      <p:cBhvr>
-                                        <p:cTn id="85" dur="1" fill="hold">
-                                          <p:stCondLst>
-                                            <p:cond delay="0"/>
-                                          </p:stCondLst>
-                                        </p:cTn>
-                                        <p:tgtEl>
-                                          <p:spTgt spid="48"/>
-                                        </p:tgtEl>
-                                        <p:attrNameLst>
-                                          <p:attrName>style.visibility</p:attrName>
-                                        </p:attrNameLst>
-                                      </p:cBhvr>
-                                      <p:to>
-                                        <p:strVal val="visible"/>
-                                      </p:to>
-                                    </p:set>
-                                    <p:animEffect transition="in" filter="blinds(horizontal)">
-                                      <p:cBhvr>
-                                        <p:cTn id="86" dur="500"/>
-                                        <p:tgtEl>
-                                          <p:spTgt spid="48"/>
-                                        </p:tgtEl>
-                                      </p:cBhvr>
-                                    </p:animEffect>
-                                  </p:childTnLst>
-                                </p:cTn>
-                              </p:par>
-                              <p:par>
-                                <p:cTn id="87" presetID="3" presetClass="entr" presetSubtype="10" fill="hold" grpId="0" nodeType="withEffect">
-                                  <p:stCondLst>
-                                    <p:cond delay="0"/>
-                                  </p:stCondLst>
-                                  <p:childTnLst>
-                                    <p:set>
-                                      <p:cBhvr>
-                                        <p:cTn id="88" dur="1" fill="hold">
-                                          <p:stCondLst>
-                                            <p:cond delay="0"/>
-                                          </p:stCondLst>
-                                        </p:cTn>
-                                        <p:tgtEl>
-                                          <p:spTgt spid="16"/>
-                                        </p:tgtEl>
-                                        <p:attrNameLst>
-                                          <p:attrName>style.visibility</p:attrName>
-                                        </p:attrNameLst>
-                                      </p:cBhvr>
-                                      <p:to>
-                                        <p:strVal val="visible"/>
-                                      </p:to>
-                                    </p:set>
-                                    <p:animEffect transition="in" filter="blinds(horizontal)">
-                                      <p:cBhvr>
-                                        <p:cTn id="89" dur="500"/>
-                                        <p:tgtEl>
-                                          <p:spTgt spid="16"/>
-                                        </p:tgtEl>
-                                      </p:cBhvr>
-                                    </p:animEffect>
-                                  </p:childTnLst>
-                                </p:cTn>
-                              </p:par>
-                            </p:childTnLst>
-                          </p:cTn>
-                        </p:par>
-                      </p:childTnLst>
-                    </p:cTn>
-                  </p:par>
-                  <p:par>
-                    <p:cTn id="90" fill="hold">
-                      <p:stCondLst>
-                        <p:cond delay="indefinite"/>
-                      </p:stCondLst>
-                      <p:childTnLst>
-                        <p:par>
-                          <p:cTn id="91" fill="hold">
-                            <p:stCondLst>
-                              <p:cond delay="0"/>
-                            </p:stCondLst>
-                            <p:childTnLst>
-                              <p:par>
-                                <p:cTn id="92" presetID="3" presetClass="entr" presetSubtype="10" fill="hold" grpId="0" nodeType="clickEffect">
-                                  <p:stCondLst>
-                                    <p:cond delay="0"/>
-                                  </p:stCondLst>
-                                  <p:childTnLst>
-                                    <p:set>
-                                      <p:cBhvr>
-                                        <p:cTn id="93" dur="1" fill="hold">
-                                          <p:stCondLst>
-                                            <p:cond delay="0"/>
-                                          </p:stCondLst>
-                                        </p:cTn>
-                                        <p:tgtEl>
-                                          <p:spTgt spid="42"/>
-                                        </p:tgtEl>
-                                        <p:attrNameLst>
-                                          <p:attrName>style.visibility</p:attrName>
-                                        </p:attrNameLst>
-                                      </p:cBhvr>
-                                      <p:to>
-                                        <p:strVal val="visible"/>
-                                      </p:to>
-                                    </p:set>
-                                    <p:animEffect transition="in" filter="blinds(horizontal)">
-                                      <p:cBhvr>
-                                        <p:cTn id="94" dur="500"/>
-                                        <p:tgtEl>
-                                          <p:spTgt spid="42"/>
-                                        </p:tgtEl>
-                                      </p:cBhvr>
-                                    </p:animEffect>
-                                  </p:childTnLst>
-                                </p:cTn>
-                              </p:par>
-                              <p:par>
-                                <p:cTn id="95" presetID="3" presetClass="entr" presetSubtype="10" fill="hold" grpId="0" nodeType="withEffect">
-                                  <p:stCondLst>
-                                    <p:cond delay="0"/>
-                                  </p:stCondLst>
-                                  <p:childTnLst>
-                                    <p:set>
-                                      <p:cBhvr>
-                                        <p:cTn id="96" dur="1" fill="hold">
-                                          <p:stCondLst>
-                                            <p:cond delay="0"/>
-                                          </p:stCondLst>
-                                        </p:cTn>
-                                        <p:tgtEl>
-                                          <p:spTgt spid="40"/>
-                                        </p:tgtEl>
-                                        <p:attrNameLst>
-                                          <p:attrName>style.visibility</p:attrName>
-                                        </p:attrNameLst>
-                                      </p:cBhvr>
-                                      <p:to>
-                                        <p:strVal val="visible"/>
-                                      </p:to>
-                                    </p:set>
-                                    <p:animEffect transition="in" filter="blinds(horizontal)">
-                                      <p:cBhvr>
-                                        <p:cTn id="97" dur="500"/>
-                                        <p:tgtEl>
-                                          <p:spTgt spid="40"/>
-                                        </p:tgtEl>
-                                      </p:cBhvr>
-                                    </p:animEffect>
-                                  </p:childTnLst>
-                                </p:cTn>
-                              </p:par>
-                              <p:par>
-                                <p:cTn id="98" presetID="3" presetClass="entr" presetSubtype="10" fill="hold" grpId="0" nodeType="withEffect">
-                                  <p:stCondLst>
-                                    <p:cond delay="0"/>
-                                  </p:stCondLst>
-                                  <p:childTnLst>
-                                    <p:set>
-                                      <p:cBhvr>
-                                        <p:cTn id="99" dur="1" fill="hold">
-                                          <p:stCondLst>
-                                            <p:cond delay="0"/>
-                                          </p:stCondLst>
-                                        </p:cTn>
-                                        <p:tgtEl>
-                                          <p:spTgt spid="43"/>
-                                        </p:tgtEl>
-                                        <p:attrNameLst>
-                                          <p:attrName>style.visibility</p:attrName>
-                                        </p:attrNameLst>
-                                      </p:cBhvr>
-                                      <p:to>
-                                        <p:strVal val="visible"/>
-                                      </p:to>
-                                    </p:set>
-                                    <p:animEffect transition="in" filter="blinds(horizontal)">
-                                      <p:cBhvr>
-                                        <p:cTn id="100" dur="500"/>
-                                        <p:tgtEl>
-                                          <p:spTgt spid="43"/>
-                                        </p:tgtEl>
-                                      </p:cBhvr>
-                                    </p:animEffect>
-                                  </p:childTnLst>
-                                </p:cTn>
-                              </p:par>
-                              <p:par>
-                                <p:cTn id="101" presetID="3" presetClass="entr" presetSubtype="10" fill="hold" grpId="0" nodeType="withEffect">
-                                  <p:stCondLst>
-                                    <p:cond delay="0"/>
-                                  </p:stCondLst>
-                                  <p:childTnLst>
-                                    <p:set>
-                                      <p:cBhvr>
-                                        <p:cTn id="102" dur="1" fill="hold">
-                                          <p:stCondLst>
-                                            <p:cond delay="0"/>
-                                          </p:stCondLst>
-                                        </p:cTn>
-                                        <p:tgtEl>
-                                          <p:spTgt spid="44"/>
-                                        </p:tgtEl>
-                                        <p:attrNameLst>
-                                          <p:attrName>style.visibility</p:attrName>
-                                        </p:attrNameLst>
-                                      </p:cBhvr>
-                                      <p:to>
-                                        <p:strVal val="visible"/>
-                                      </p:to>
-                                    </p:set>
-                                    <p:animEffect transition="in" filter="blinds(horizontal)">
-                                      <p:cBhvr>
-                                        <p:cTn id="103" dur="500"/>
-                                        <p:tgtEl>
-                                          <p:spTgt spid="44"/>
-                                        </p:tgtEl>
-                                      </p:cBhvr>
-                                    </p:animEffect>
-                                  </p:childTnLst>
-                                </p:cTn>
-                              </p:par>
-                              <p:par>
-                                <p:cTn id="104" presetID="3" presetClass="entr" presetSubtype="10" fill="hold" grpId="0" nodeType="withEffect">
-                                  <p:stCondLst>
-                                    <p:cond delay="0"/>
-                                  </p:stCondLst>
-                                  <p:childTnLst>
-                                    <p:set>
-                                      <p:cBhvr>
-                                        <p:cTn id="105" dur="1" fill="hold">
-                                          <p:stCondLst>
-                                            <p:cond delay="0"/>
-                                          </p:stCondLst>
-                                        </p:cTn>
-                                        <p:tgtEl>
-                                          <p:spTgt spid="15"/>
-                                        </p:tgtEl>
-                                        <p:attrNameLst>
-                                          <p:attrName>style.visibility</p:attrName>
-                                        </p:attrNameLst>
-                                      </p:cBhvr>
-                                      <p:to>
-                                        <p:strVal val="visible"/>
-                                      </p:to>
-                                    </p:set>
-                                    <p:animEffect transition="in" filter="blinds(horizontal)">
-                                      <p:cBhvr>
-                                        <p:cTn id="106" dur="500"/>
-                                        <p:tgtEl>
-                                          <p:spTgt spid="15"/>
-                                        </p:tgtEl>
-                                      </p:cBhvr>
-                                    </p:animEffect>
-                                  </p:childTnLst>
-                                </p:cTn>
-                              </p:par>
-                            </p:childTnLst>
-                          </p:cTn>
-                        </p:par>
-                      </p:childTnLst>
-                    </p:cTn>
-                  </p:par>
-                </p:childTnLst>
-              </p:cTn>
-              <p:prevCondLst>
-                <p:cond evt="onPrev" delay="0">
-                  <p:tgtEl>
-                    <p:sldTgt/>
-                  </p:tgtEl>
-                </p:cond>
-              </p:prevCondLst>
-              <p:nextCondLst>
-                <p:cond evt="onNext" delay="0">
-                  <p:tgtEl>
-                    <p:sldTgt/>
-                  </p:tgtEl>
-                </p:cond>
-              </p:nextCondLst>
-            </p:seq>
-          </p:childTnLst>
-        </p:cTn>
+        <p:cTn id="1" dur="indefinite" restart="never" nodeType="tmRoot"/>
       </p:par>
     </p:tnLst>
-    <p:bldLst>
-      <p:bldP spid="6" grpId="0" bldLvl="0" animBg="1"/>
-      <p:bldP spid="7" grpId="0" bldLvl="0" animBg="1"/>
-      <p:bldP spid="8" grpId="0" bldLvl="0" animBg="1"/>
-      <p:bldP spid="9" grpId="0" bldLvl="0" animBg="1"/>
-      <p:bldP spid="10" grpId="0" bldLvl="0" animBg="1"/>
-      <p:bldP spid="12" grpId="0" bldLvl="0" animBg="1"/>
-      <p:bldP spid="13" grpId="0" bldLvl="0" animBg="1"/>
-      <p:bldP spid="14" grpId="0" bldLvl="0" animBg="1"/>
-      <p:bldP spid="15" grpId="0" bldLvl="0" animBg="1"/>
-      <p:bldP spid="16" grpId="0" bldLvl="0" animBg="1"/>
-      <p:bldP spid="40" grpId="0" bldLvl="0" animBg="1"/>
-      <p:bldP spid="42" grpId="0" bldLvl="0" animBg="1"/>
-      <p:bldP spid="43" grpId="0" bldLvl="0" animBg="1"/>
-      <p:bldP spid="44" grpId="0" bldLvl="0" animBg="1"/>
-      <p:bldP spid="45" grpId="0" bldLvl="0" animBg="1"/>
-      <p:bldP spid="46" grpId="0" bldLvl="0" animBg="1"/>
-      <p:bldP spid="47" grpId="0" bldLvl="0" animBg="1"/>
-      <p:bldP spid="48" grpId="0" bldLvl="0" animBg="1"/>
-    </p:bldLst>
   </p:timing>
 </p:sld>
 </file>
@@ -24129,12 +23209,353 @@
           <a:lstStyle/>
           <a:p>
             <a:r>
+              <a:rPr lang="zh-CN" altLang="en-US" dirty="0" smtClean="0"/>
+              <a:t>风险相关的重要概念</a:t>
+            </a:r>
+            <a:endParaRPr lang="zh-CN" altLang="en-US" dirty="0"/>
+          </a:p>
+        </p:txBody>
+      </p:sp>
+      <p:sp>
+        <p:nvSpPr>
+          <p:cNvPr id="3" name="内容占位符 2"/>
+          <p:cNvSpPr>
+            <a:spLocks noGrp="1"/>
+          </p:cNvSpPr>
+          <p:nvPr>
+            <p:ph sz="quarter" idx="1"/>
+          </p:nvPr>
+        </p:nvSpPr>
+        <p:spPr/>
+        <p:txBody>
+          <a:bodyPr/>
+          <a:lstStyle/>
+          <a:p>
+            <a:r>
+              <a:rPr lang="zh-CN" altLang="en-US" sz="2400" dirty="0" smtClean="0"/>
+              <a:t>定义：一旦发生，就会对项目目标产生</a:t>
+            </a:r>
+            <a:r>
+              <a:rPr lang="zh-CN" altLang="en-US" sz="2400" dirty="0" smtClean="0">
+                <a:solidFill>
+                  <a:srgbClr val="FF0000"/>
+                </a:solidFill>
+              </a:rPr>
+              <a:t>积极或消极</a:t>
+            </a:r>
+            <a:r>
+              <a:rPr lang="zh-CN" altLang="en-US" sz="2400" dirty="0" smtClean="0"/>
+              <a:t>影响的</a:t>
+            </a:r>
+            <a:r>
+              <a:rPr lang="zh-CN" altLang="en-US" sz="2400" dirty="0" smtClean="0">
+                <a:solidFill>
+                  <a:srgbClr val="FF0000"/>
+                </a:solidFill>
+              </a:rPr>
+              <a:t>不确定</a:t>
+            </a:r>
+            <a:r>
+              <a:rPr lang="zh-CN" altLang="en-US" sz="2400" dirty="0" smtClean="0"/>
+              <a:t>事件或条件</a:t>
+            </a:r>
+            <a:endParaRPr lang="en-US" altLang="zh-CN" sz="2400" dirty="0" smtClean="0"/>
+          </a:p>
+          <a:p>
+            <a:r>
+              <a:rPr lang="zh-CN" altLang="en-US" sz="2400" dirty="0" smtClean="0"/>
+              <a:t>风险</a:t>
+            </a:r>
+            <a:r>
+              <a:rPr lang="en-US" altLang="zh-CN" sz="2400" dirty="0" smtClean="0"/>
+              <a:t>4</a:t>
+            </a:r>
+            <a:r>
+              <a:rPr lang="zh-CN" altLang="en-US" sz="2400" dirty="0" smtClean="0"/>
+              <a:t>要素：事件、原因、发生概率和后果</a:t>
+            </a:r>
+            <a:endParaRPr lang="en-US" altLang="zh-CN" sz="2400" dirty="0" smtClean="0"/>
+          </a:p>
+          <a:p>
+            <a:r>
+              <a:rPr lang="zh-CN" altLang="en-US" sz="2400" dirty="0" smtClean="0"/>
+              <a:t>风险类别：如技术风险、管理风险、内部风险或外部风险等，通常用</a:t>
+            </a:r>
+            <a:r>
+              <a:rPr lang="en-US" altLang="zh-CN" sz="2400" dirty="0" smtClean="0"/>
+              <a:t>RBS</a:t>
+            </a:r>
+            <a:r>
+              <a:rPr lang="zh-CN" altLang="en-US" sz="2400" dirty="0" smtClean="0"/>
+              <a:t>定义，作为风险识别的起点</a:t>
+            </a:r>
+            <a:endParaRPr lang="en-US" altLang="zh-CN" sz="2400" dirty="0" smtClean="0"/>
+          </a:p>
+        </p:txBody>
+      </p:sp>
+    </p:spTree>
+  </p:cSld>
+  <p:clrMapOvr>
+    <a:masterClrMapping/>
+  </p:clrMapOvr>
+  <p:timing>
+    <p:tnLst>
+      <p:par>
+        <p:cTn id="1" dur="indefinite" restart="never" nodeType="tmRoot">
+          <p:childTnLst>
+            <p:seq concurrent="1" nextAc="seek">
+              <p:cTn id="2" dur="indefinite" nodeType="mainSeq">
+                <p:childTnLst>
+                  <p:par>
+                    <p:cTn id="3" fill="hold">
+                      <p:stCondLst>
+                        <p:cond delay="indefinite"/>
+                      </p:stCondLst>
+                      <p:childTnLst>
+                        <p:par>
+                          <p:cTn id="4" fill="hold">
+                            <p:stCondLst>
+                              <p:cond delay="0"/>
+                            </p:stCondLst>
+                            <p:childTnLst>
+                              <p:par>
+                                <p:cTn id="5" presetID="3" presetClass="entr" presetSubtype="10" fill="hold" grpId="0" nodeType="clickEffect">
+                                  <p:stCondLst>
+                                    <p:cond delay="0"/>
+                                  </p:stCondLst>
+                                  <p:childTnLst>
+                                    <p:set>
+                                      <p:cBhvr>
+                                        <p:cTn id="6" dur="1" fill="hold">
+                                          <p:stCondLst>
+                                            <p:cond delay="0"/>
+                                          </p:stCondLst>
+                                        </p:cTn>
+                                        <p:tgtEl>
+                                          <p:spTgt spid="3">
+                                            <p:txEl>
+                                              <p:pRg st="0" end="0"/>
+                                            </p:txEl>
+                                          </p:spTgt>
+                                        </p:tgtEl>
+                                        <p:attrNameLst>
+                                          <p:attrName>style.visibility</p:attrName>
+                                        </p:attrNameLst>
+                                      </p:cBhvr>
+                                      <p:to>
+                                        <p:strVal val="visible"/>
+                                      </p:to>
+                                    </p:set>
+                                    <p:animEffect transition="in" filter="blinds(horizontal)">
+                                      <p:cBhvr>
+                                        <p:cTn id="7" dur="500"/>
+                                        <p:tgtEl>
+                                          <p:spTgt spid="3">
+                                            <p:txEl>
+                                              <p:pRg st="0" end="0"/>
+                                            </p:txEl>
+                                          </p:spTgt>
+                                        </p:tgtEl>
+                                      </p:cBhvr>
+                                    </p:animEffect>
+                                  </p:childTnLst>
+                                </p:cTn>
+                              </p:par>
+                            </p:childTnLst>
+                          </p:cTn>
+                        </p:par>
+                      </p:childTnLst>
+                    </p:cTn>
+                  </p:par>
+                  <p:par>
+                    <p:cTn id="8" fill="hold">
+                      <p:stCondLst>
+                        <p:cond delay="indefinite"/>
+                      </p:stCondLst>
+                      <p:childTnLst>
+                        <p:par>
+                          <p:cTn id="9" fill="hold">
+                            <p:stCondLst>
+                              <p:cond delay="0"/>
+                            </p:stCondLst>
+                            <p:childTnLst>
+                              <p:par>
+                                <p:cTn id="10" presetID="3" presetClass="entr" presetSubtype="10" fill="hold" grpId="0" nodeType="clickEffect">
+                                  <p:stCondLst>
+                                    <p:cond delay="0"/>
+                                  </p:stCondLst>
+                                  <p:childTnLst>
+                                    <p:set>
+                                      <p:cBhvr>
+                                        <p:cTn id="11" dur="1" fill="hold">
+                                          <p:stCondLst>
+                                            <p:cond delay="0"/>
+                                          </p:stCondLst>
+                                        </p:cTn>
+                                        <p:tgtEl>
+                                          <p:spTgt spid="3">
+                                            <p:txEl>
+                                              <p:pRg st="1" end="1"/>
+                                            </p:txEl>
+                                          </p:spTgt>
+                                        </p:tgtEl>
+                                        <p:attrNameLst>
+                                          <p:attrName>style.visibility</p:attrName>
+                                        </p:attrNameLst>
+                                      </p:cBhvr>
+                                      <p:to>
+                                        <p:strVal val="visible"/>
+                                      </p:to>
+                                    </p:set>
+                                    <p:animEffect transition="in" filter="blinds(horizontal)">
+                                      <p:cBhvr>
+                                        <p:cTn id="12" dur="500"/>
+                                        <p:tgtEl>
+                                          <p:spTgt spid="3">
+                                            <p:txEl>
+                                              <p:pRg st="1" end="1"/>
+                                            </p:txEl>
+                                          </p:spTgt>
+                                        </p:tgtEl>
+                                      </p:cBhvr>
+                                    </p:animEffect>
+                                  </p:childTnLst>
+                                </p:cTn>
+                              </p:par>
+                            </p:childTnLst>
+                          </p:cTn>
+                        </p:par>
+                      </p:childTnLst>
+                    </p:cTn>
+                  </p:par>
+                  <p:par>
+                    <p:cTn id="13" fill="hold">
+                      <p:stCondLst>
+                        <p:cond delay="indefinite"/>
+                      </p:stCondLst>
+                      <p:childTnLst>
+                        <p:par>
+                          <p:cTn id="14" fill="hold">
+                            <p:stCondLst>
+                              <p:cond delay="0"/>
+                            </p:stCondLst>
+                            <p:childTnLst>
+                              <p:par>
+                                <p:cTn id="15" presetID="3" presetClass="entr" presetSubtype="10" fill="hold" grpId="0" nodeType="clickEffect">
+                                  <p:stCondLst>
+                                    <p:cond delay="0"/>
+                                  </p:stCondLst>
+                                  <p:childTnLst>
+                                    <p:set>
+                                      <p:cBhvr>
+                                        <p:cTn id="16" dur="1" fill="hold">
+                                          <p:stCondLst>
+                                            <p:cond delay="0"/>
+                                          </p:stCondLst>
+                                        </p:cTn>
+                                        <p:tgtEl>
+                                          <p:spTgt spid="3">
+                                            <p:txEl>
+                                              <p:pRg st="2" end="2"/>
+                                            </p:txEl>
+                                          </p:spTgt>
+                                        </p:tgtEl>
+                                        <p:attrNameLst>
+                                          <p:attrName>style.visibility</p:attrName>
+                                        </p:attrNameLst>
+                                      </p:cBhvr>
+                                      <p:to>
+                                        <p:strVal val="visible"/>
+                                      </p:to>
+                                    </p:set>
+                                    <p:animEffect transition="in" filter="blinds(horizontal)">
+                                      <p:cBhvr>
+                                        <p:cTn id="17" dur="500"/>
+                                        <p:tgtEl>
+                                          <p:spTgt spid="3">
+                                            <p:txEl>
+                                              <p:pRg st="2" end="2"/>
+                                            </p:txEl>
+                                          </p:spTgt>
+                                        </p:tgtEl>
+                                      </p:cBhvr>
+                                    </p:animEffect>
+                                  </p:childTnLst>
+                                </p:cTn>
+                              </p:par>
+                            </p:childTnLst>
+                          </p:cTn>
+                        </p:par>
+                      </p:childTnLst>
+                    </p:cTn>
+                  </p:par>
+                </p:childTnLst>
+              </p:cTn>
+              <p:prevCondLst>
+                <p:cond evt="onPrev" delay="0">
+                  <p:tgtEl>
+                    <p:sldTgt/>
+                  </p:tgtEl>
+                </p:cond>
+              </p:prevCondLst>
+              <p:nextCondLst>
+                <p:cond evt="onNext" delay="0">
+                  <p:tgtEl>
+                    <p:sldTgt/>
+                  </p:tgtEl>
+                </p:cond>
+              </p:nextCondLst>
+            </p:seq>
+          </p:childTnLst>
+        </p:cTn>
+      </p:par>
+    </p:tnLst>
+    <p:bldLst>
+      <p:bldP spid="3" grpId="0" build="p"/>
+    </p:bldLst>
+  </p:timing>
+</p:sld>
+</file>
+
+<file path=ppt/slides/slide7.xml><?xml version="1.0" encoding="utf-8"?>
+<p:sld xmlns:a="http://schemas.openxmlformats.org/drawingml/2006/main" xmlns:r="http://schemas.openxmlformats.org/officeDocument/2006/relationships" xmlns:p="http://schemas.openxmlformats.org/presentationml/2006/main">
+  <p:cSld>
+    <p:spTree>
+      <p:nvGrpSpPr>
+        <p:cNvPr id="1" name=""/>
+        <p:cNvGrpSpPr/>
+        <p:nvPr/>
+      </p:nvGrpSpPr>
+      <p:grpSpPr>
+        <a:xfrm>
+          <a:off x="0" y="0"/>
+          <a:ext cx="0" cy="0"/>
+          <a:chOff x="0" y="0"/>
+          <a:chExt cx="0" cy="0"/>
+        </a:xfrm>
+      </p:grpSpPr>
+      <p:sp>
+        <p:nvSpPr>
+          <p:cNvPr id="2" name="标题 1"/>
+          <p:cNvSpPr>
+            <a:spLocks noGrp="1"/>
+          </p:cNvSpPr>
+          <p:nvPr>
+            <p:ph type="title"/>
+          </p:nvPr>
+        </p:nvSpPr>
+        <p:spPr/>
+        <p:txBody>
+          <a:bodyPr/>
+          <a:lstStyle/>
+          <a:p>
+            <a:r>
               <a:rPr lang="zh-CN" altLang="en-US" dirty="0"/>
               <a:t>项目</a:t>
             </a:r>
             <a:r>
               <a:rPr lang="zh-CN" altLang="en-US" dirty="0" smtClean="0"/>
-              <a:t>风险</a:t>
+              <a:t>风险管理</a:t>
             </a:r>
             <a:endParaRPr lang="zh-CN" altLang="en-US" dirty="0"/>
           </a:p>
@@ -24164,7 +23585,43 @@
           <a:p>
             <a:r>
               <a:rPr lang="zh-CN" altLang="en-US" sz="2400" dirty="0" smtClean="0"/>
-              <a:t>风险管理对选择项目、确定项目范围和编制现实的进度计划和成本估算有着积极的影响。</a:t>
+              <a:t>风险管理对选择项目、确定项目</a:t>
+            </a:r>
+            <a:r>
+              <a:rPr lang="zh-CN" altLang="en-US" sz="2400" dirty="0" smtClean="0">
+                <a:solidFill>
+                  <a:srgbClr val="FF0000"/>
+                </a:solidFill>
+              </a:rPr>
+              <a:t>范围</a:t>
+            </a:r>
+            <a:r>
+              <a:rPr lang="zh-CN" altLang="en-US" sz="2400" dirty="0" smtClean="0"/>
+              <a:t>和编制现实的</a:t>
+            </a:r>
+            <a:r>
+              <a:rPr lang="zh-CN" altLang="en-US" sz="2400" dirty="0" smtClean="0">
+                <a:solidFill>
+                  <a:srgbClr val="FF0000"/>
+                </a:solidFill>
+              </a:rPr>
+              <a:t>进度</a:t>
+            </a:r>
+            <a:r>
+              <a:rPr lang="zh-CN" altLang="en-US" sz="2400" dirty="0" smtClean="0"/>
+              <a:t>计划和</a:t>
+            </a:r>
+            <a:r>
+              <a:rPr lang="zh-CN" altLang="en-US" sz="2400" dirty="0" smtClean="0">
+                <a:solidFill>
+                  <a:srgbClr val="FF0000"/>
+                </a:solidFill>
+              </a:rPr>
+              <a:t>成本</a:t>
+            </a:r>
+            <a:r>
+              <a:rPr lang="zh-CN" altLang="en-US" sz="2400" dirty="0" smtClean="0"/>
+              <a:t>估算有着积极的影响。</a:t>
             </a:r>
             <a:endParaRPr lang="en-US" altLang="zh-CN" sz="2400" dirty="0" smtClean="0"/>
           </a:p>
@@ -24192,7 +23649,7 @@
 </p:sld>
 </file>
 
-<file path=ppt/slides/slide7.xml><?xml version="1.0" encoding="utf-8"?>
+<file path=ppt/slides/slide8.xml><?xml version="1.0" encoding="utf-8"?>
 <p:sld xmlns:a="http://schemas.openxmlformats.org/drawingml/2006/main" xmlns:r="http://schemas.openxmlformats.org/officeDocument/2006/relationships" xmlns:p="http://schemas.openxmlformats.org/presentationml/2006/main">
   <p:cSld>
     <p:spTree>
@@ -28604,7 +28061,7 @@
           <a:p>
             <a:r>
               <a:rPr lang="zh-CN" altLang="en-US" sz="2400" dirty="0" smtClean="0"/>
-              <a:t>阅读教材第一节：项目风险管理的重要性；</a:t>
+              <a:t>项目风险管理的重要性；</a:t>
             </a:r>
             <a:endParaRPr lang="en-US" altLang="zh-CN" sz="2400" dirty="0" smtClean="0"/>
           </a:p>
@@ -28621,347 +28078,6 @@
         <p:cTn id="1" dur="indefinite" restart="never" nodeType="tmRoot"/>
       </p:par>
     </p:tnLst>
-  </p:timing>
-</p:sld>
-</file>
-
-<file path=ppt/slides/slide8.xml><?xml version="1.0" encoding="utf-8"?>
-<p:sld xmlns:a="http://schemas.openxmlformats.org/drawingml/2006/main" xmlns:r="http://schemas.openxmlformats.org/officeDocument/2006/relationships" xmlns:p="http://schemas.openxmlformats.org/presentationml/2006/main">
-  <p:cSld>
-    <p:spTree>
-      <p:nvGrpSpPr>
-        <p:cNvPr id="1" name=""/>
-        <p:cNvGrpSpPr/>
-        <p:nvPr/>
-      </p:nvGrpSpPr>
-      <p:grpSpPr>
-        <a:xfrm>
-          <a:off x="0" y="0"/>
-          <a:ext cx="0" cy="0"/>
-          <a:chOff x="0" y="0"/>
-          <a:chExt cx="0" cy="0"/>
-        </a:xfrm>
-      </p:grpSpPr>
-      <p:sp>
-        <p:nvSpPr>
-          <p:cNvPr id="2" name="标题 1"/>
-          <p:cNvSpPr>
-            <a:spLocks noGrp="1"/>
-          </p:cNvSpPr>
-          <p:nvPr>
-            <p:ph type="title"/>
-          </p:nvPr>
-        </p:nvSpPr>
-        <p:spPr/>
-        <p:txBody>
-          <a:bodyPr/>
-          <a:lstStyle/>
-          <a:p>
-            <a:r>
-              <a:rPr lang="zh-CN" altLang="en-US" dirty="0" smtClean="0"/>
-              <a:t>风险相关的重要概念</a:t>
-            </a:r>
-            <a:endParaRPr lang="zh-CN" altLang="en-US" dirty="0"/>
-          </a:p>
-        </p:txBody>
-      </p:sp>
-      <p:sp>
-        <p:nvSpPr>
-          <p:cNvPr id="3" name="内容占位符 2"/>
-          <p:cNvSpPr>
-            <a:spLocks noGrp="1"/>
-          </p:cNvSpPr>
-          <p:nvPr>
-            <p:ph sz="quarter" idx="1"/>
-          </p:nvPr>
-        </p:nvSpPr>
-        <p:spPr/>
-        <p:txBody>
-          <a:bodyPr/>
-          <a:lstStyle/>
-          <a:p>
-            <a:r>
-              <a:rPr lang="zh-CN" altLang="en-US" sz="2400" dirty="0" smtClean="0"/>
-              <a:t>定义：一旦发生，就会对项目目标产生</a:t>
-            </a:r>
-            <a:r>
-              <a:rPr lang="zh-CN" altLang="en-US" sz="2400" dirty="0" smtClean="0">
-                <a:solidFill>
-                  <a:srgbClr val="FF0000"/>
-                </a:solidFill>
-              </a:rPr>
-              <a:t>积极或消极</a:t>
-            </a:r>
-            <a:r>
-              <a:rPr lang="zh-CN" altLang="en-US" sz="2400" dirty="0" smtClean="0"/>
-              <a:t>影响的</a:t>
-            </a:r>
-            <a:r>
-              <a:rPr lang="zh-CN" altLang="en-US" sz="2400" dirty="0" smtClean="0">
-                <a:solidFill>
-                  <a:srgbClr val="FF0000"/>
-                </a:solidFill>
-              </a:rPr>
-              <a:t>不确定</a:t>
-            </a:r>
-            <a:r>
-              <a:rPr lang="zh-CN" altLang="en-US" sz="2400" dirty="0" smtClean="0"/>
-              <a:t>事件或条件</a:t>
-            </a:r>
-            <a:endParaRPr lang="en-US" altLang="zh-CN" sz="2400" dirty="0" smtClean="0"/>
-          </a:p>
-          <a:p>
-            <a:r>
-              <a:rPr lang="zh-CN" altLang="en-US" sz="2400" dirty="0" smtClean="0"/>
-              <a:t>风险</a:t>
-            </a:r>
-            <a:r>
-              <a:rPr lang="en-US" altLang="zh-CN" sz="2400" dirty="0" smtClean="0"/>
-              <a:t>4</a:t>
-            </a:r>
-            <a:r>
-              <a:rPr lang="zh-CN" altLang="en-US" sz="2400" dirty="0" smtClean="0"/>
-              <a:t>要素：事件、原因、发生概率和后果</a:t>
-            </a:r>
-            <a:endParaRPr lang="en-US" altLang="zh-CN" sz="2400" dirty="0" smtClean="0"/>
-          </a:p>
-          <a:p>
-            <a:r>
-              <a:rPr lang="zh-CN" altLang="en-US" sz="2400" dirty="0" smtClean="0"/>
-              <a:t>风险类别：如技术风险、管理风险、内部风险或外部风险等，通常用</a:t>
-            </a:r>
-            <a:r>
-              <a:rPr lang="en-US" altLang="zh-CN" sz="2400" dirty="0" smtClean="0"/>
-              <a:t>RBS</a:t>
-            </a:r>
-            <a:r>
-              <a:rPr lang="zh-CN" altLang="en-US" sz="2400" dirty="0" smtClean="0"/>
-              <a:t>定义，作为风险识别的起点</a:t>
-            </a:r>
-            <a:endParaRPr lang="en-US" altLang="zh-CN" sz="2400" dirty="0" smtClean="0"/>
-          </a:p>
-        </p:txBody>
-      </p:sp>
-    </p:spTree>
-  </p:cSld>
-  <p:clrMapOvr>
-    <a:masterClrMapping/>
-  </p:clrMapOvr>
-  <p:timing>
-    <p:tnLst>
-      <p:par>
-        <p:cTn id="1" dur="indefinite" restart="never" nodeType="tmRoot">
-          <p:childTnLst>
-            <p:seq concurrent="1" nextAc="seek">
-              <p:cTn id="2" dur="indefinite" nodeType="mainSeq">
-                <p:childTnLst>
-                  <p:par>
-                    <p:cTn id="3" fill="hold">
-                      <p:stCondLst>
-                        <p:cond delay="indefinite"/>
-                      </p:stCondLst>
-                      <p:childTnLst>
-                        <p:par>
-                          <p:cTn id="4" fill="hold">
-                            <p:stCondLst>
-                              <p:cond delay="0"/>
-                            </p:stCondLst>
-                            <p:childTnLst>
-                              <p:par>
-                                <p:cTn id="5" presetID="3" presetClass="entr" presetSubtype="10" fill="hold" grpId="0" nodeType="clickEffect">
-                                  <p:stCondLst>
-                                    <p:cond delay="0"/>
-                                  </p:stCondLst>
-                                  <p:childTnLst>
-                                    <p:set>
-                                      <p:cBhvr>
-                                        <p:cTn id="6" dur="1" fill="hold">
-                                          <p:stCondLst>
-                                            <p:cond delay="0"/>
-                                          </p:stCondLst>
-                                        </p:cTn>
-                                        <p:tgtEl>
-                                          <p:spTgt spid="3">
-                                            <p:txEl>
-                                              <p:pRg st="0" end="0"/>
-                                            </p:txEl>
-                                          </p:spTgt>
-                                        </p:tgtEl>
-                                        <p:attrNameLst>
-                                          <p:attrName>style.visibility</p:attrName>
-                                        </p:attrNameLst>
-                                      </p:cBhvr>
-                                      <p:to>
-                                        <p:strVal val="visible"/>
-                                      </p:to>
-                                    </p:set>
-                                    <p:animEffect transition="in" filter="blinds(horizontal)">
-                                      <p:cBhvr>
-                                        <p:cTn id="7" dur="500"/>
-                                        <p:tgtEl>
-                                          <p:spTgt spid="3">
-                                            <p:txEl>
-                                              <p:pRg st="0" end="0"/>
-                                            </p:txEl>
-                                          </p:spTgt>
-                                        </p:tgtEl>
-                                      </p:cBhvr>
-                                    </p:animEffect>
-                                  </p:childTnLst>
-                                </p:cTn>
-                              </p:par>
-                            </p:childTnLst>
-                          </p:cTn>
-                        </p:par>
-                      </p:childTnLst>
-                    </p:cTn>
-                  </p:par>
-                  <p:par>
-                    <p:cTn id="8" fill="hold">
-                      <p:stCondLst>
-                        <p:cond delay="indefinite"/>
-                      </p:stCondLst>
-                      <p:childTnLst>
-                        <p:par>
-                          <p:cTn id="9" fill="hold">
-                            <p:stCondLst>
-                              <p:cond delay="0"/>
-                            </p:stCondLst>
-                            <p:childTnLst>
-                              <p:par>
-                                <p:cTn id="10" presetID="3" presetClass="entr" presetSubtype="10" fill="hold" grpId="0" nodeType="clickEffect">
-                                  <p:stCondLst>
-                                    <p:cond delay="0"/>
-                                  </p:stCondLst>
-                                  <p:childTnLst>
-                                    <p:set>
-                                      <p:cBhvr>
-                                        <p:cTn id="11" dur="1" fill="hold">
-                                          <p:stCondLst>
-                                            <p:cond delay="0"/>
-                                          </p:stCondLst>
-                                        </p:cTn>
-                                        <p:tgtEl>
-                                          <p:spTgt spid="3">
-                                            <p:txEl>
-                                              <p:pRg st="1" end="1"/>
-                                            </p:txEl>
-                                          </p:spTgt>
-                                        </p:tgtEl>
-                                        <p:attrNameLst>
-                                          <p:attrName>style.visibility</p:attrName>
-                                        </p:attrNameLst>
-                                      </p:cBhvr>
-                                      <p:to>
-                                        <p:strVal val="visible"/>
-                                      </p:to>
-                                    </p:set>
-                                    <p:animEffect transition="in" filter="blinds(horizontal)">
-                                      <p:cBhvr>
-                                        <p:cTn id="12" dur="500"/>
-                                        <p:tgtEl>
-                                          <p:spTgt spid="3">
-                                            <p:txEl>
-                                              <p:pRg st="1" end="1"/>
-                                            </p:txEl>
-                                          </p:spTgt>
-                                        </p:tgtEl>
-                                      </p:cBhvr>
-                                    </p:animEffect>
-                                  </p:childTnLst>
-                                </p:cTn>
-                              </p:par>
-                            </p:childTnLst>
-                          </p:cTn>
-                        </p:par>
-                      </p:childTnLst>
-                    </p:cTn>
-                  </p:par>
-                  <p:par>
-                    <p:cTn id="13" fill="hold">
-                      <p:stCondLst>
-                        <p:cond delay="indefinite"/>
-                      </p:stCondLst>
-                      <p:childTnLst>
-                        <p:par>
-                          <p:cTn id="14" fill="hold">
-                            <p:stCondLst>
-                              <p:cond delay="0"/>
-                            </p:stCondLst>
-                            <p:childTnLst>
-                              <p:par>
-                                <p:cTn id="15" presetID="3" presetClass="entr" presetSubtype="10" fill="hold" grpId="0" nodeType="clickEffect">
-                                  <p:stCondLst>
-                                    <p:cond delay="0"/>
-                                  </p:stCondLst>
-                                  <p:childTnLst>
-                                    <p:set>
-                                      <p:cBhvr>
-                                        <p:cTn id="16" dur="1" fill="hold">
-                                          <p:stCondLst>
-                                            <p:cond delay="0"/>
-                                          </p:stCondLst>
-                                        </p:cTn>
-                                        <p:tgtEl>
-                                          <p:spTgt spid="3">
-                                            <p:txEl>
-                                              <p:pRg st="2" end="2"/>
-                                            </p:txEl>
-                                          </p:spTgt>
-                                        </p:tgtEl>
-                                        <p:attrNameLst>
-                                          <p:attrName>style.visibility</p:attrName>
-                                        </p:attrNameLst>
-                                      </p:cBhvr>
-                                      <p:to>
-                                        <p:strVal val="visible"/>
-                                      </p:to>
-                                    </p:set>
-                                    <p:animEffect transition="in" filter="blinds(horizontal)">
-                                      <p:cBhvr>
-                                        <p:cTn id="17" dur="500"/>
-                                        <p:tgtEl>
-                                          <p:spTgt spid="3">
-                                            <p:txEl>
-                                              <p:pRg st="2" end="2"/>
-                                            </p:txEl>
-                                          </p:spTgt>
-                                        </p:tgtEl>
-                                      </p:cBhvr>
-                                    </p:animEffect>
-                                  </p:childTnLst>
-                                </p:cTn>
-                              </p:par>
-                            </p:childTnLst>
-                          </p:cTn>
-                        </p:par>
-                      </p:childTnLst>
-                    </p:cTn>
-                  </p:par>
-                </p:childTnLst>
-              </p:cTn>
-              <p:prevCondLst>
-                <p:cond evt="onPrev" delay="0">
-                  <p:tgtEl>
-                    <p:sldTgt/>
-                  </p:tgtEl>
-                </p:cond>
-              </p:prevCondLst>
-              <p:nextCondLst>
-                <p:cond evt="onNext" delay="0">
-                  <p:tgtEl>
-                    <p:sldTgt/>
-                  </p:tgtEl>
-                </p:cond>
-              </p:nextCondLst>
-            </p:seq>
-          </p:childTnLst>
-        </p:cTn>
-      </p:par>
-    </p:tnLst>
-    <p:bldLst>
-      <p:bldP spid="3" grpId="0" build="p"/>
-    </p:bldLst>
   </p:timing>
 </p:sld>
 </file>

--- a/materials/slides/ch03-8.pptx
+++ b/materials/slides/ch03-8.pptx
@@ -18526,7 +18526,7 @@
             </a:r>
             <a:r>
               <a:rPr lang="zh-CN" altLang="en-US" sz="2400" dirty="0" smtClean="0"/>
-              <a:t>（Risk Based Supervision）：企业将以往经验</a:t>
+              <a:t>（Risk Breakdown Structure）：企业将以往经验</a:t>
             </a:r>
             <a:r>
               <a:rPr lang="zh-CN" altLang="en-US" sz="2400" dirty="0"/>

--- a/materials/slides/ch03-8.pptx
+++ b/materials/slides/ch03-8.pptx
@@ -23578,7 +23578,31 @@
           <a:p>
             <a:r>
               <a:rPr lang="zh-CN" altLang="en-US" sz="2400" dirty="0" smtClean="0"/>
-              <a:t>项目风险管理是关于识别、分析、响应项目全生命周期内的风险，并最好的满足项目目标的科学与艺术。</a:t>
+              <a:t>项目风险管理是关于识别、分析、响应项目</a:t>
+            </a:r>
+            <a:r>
+              <a:rPr lang="zh-CN" altLang="en-US" sz="2400" dirty="0" smtClean="0">
+                <a:solidFill>
+                  <a:srgbClr val="FF0000"/>
+                </a:solidFill>
+              </a:rPr>
+              <a:t>全生命周期内</a:t>
+            </a:r>
+            <a:r>
+              <a:rPr lang="zh-CN" altLang="en-US" sz="2400" dirty="0" smtClean="0"/>
+              <a:t>的风险，并最好的满足项目目标的</a:t>
+            </a:r>
+            <a:r>
+              <a:rPr lang="zh-CN" altLang="en-US" sz="2400" dirty="0" smtClean="0">
+                <a:solidFill>
+                  <a:srgbClr val="FF0000"/>
+                </a:solidFill>
+              </a:rPr>
+              <a:t>科学与艺术</a:t>
+            </a:r>
+            <a:r>
+              <a:rPr lang="zh-CN" altLang="en-US" sz="2400" dirty="0" smtClean="0"/>
+              <a:t>。</a:t>
             </a:r>
             <a:endParaRPr lang="en-US" altLang="zh-CN" sz="2400" dirty="0" smtClean="0"/>
           </a:p>
@@ -23642,9 +23666,344 @@
   <p:timing>
     <p:tnLst>
       <p:par>
-        <p:cTn id="1" dur="indefinite" restart="never" nodeType="tmRoot"/>
+        <p:cTn id="1" dur="indefinite" restart="never" nodeType="tmRoot">
+          <p:childTnLst>
+            <p:seq concurrent="1" nextAc="seek">
+              <p:cTn id="2" dur="indefinite" nodeType="mainSeq">
+                <p:childTnLst>
+                  <p:par>
+                    <p:cTn id="3" fill="hold">
+                      <p:stCondLst>
+                        <p:cond delay="indefinite"/>
+                      </p:stCondLst>
+                      <p:childTnLst>
+                        <p:par>
+                          <p:cTn id="4" fill="hold">
+                            <p:stCondLst>
+                              <p:cond delay="0"/>
+                            </p:stCondLst>
+                            <p:childTnLst>
+                              <p:par>
+                                <p:cTn id="5" presetID="2" presetClass="entr" presetSubtype="4" fill="hold" grpId="0" nodeType="clickEffect">
+                                  <p:stCondLst>
+                                    <p:cond delay="0"/>
+                                  </p:stCondLst>
+                                  <p:childTnLst>
+                                    <p:set>
+                                      <p:cBhvr>
+                                        <p:cTn id="6" dur="1" fill="hold">
+                                          <p:stCondLst>
+                                            <p:cond delay="0"/>
+                                          </p:stCondLst>
+                                        </p:cTn>
+                                        <p:tgtEl>
+                                          <p:spTgt spid="3">
+                                            <p:txEl>
+                                              <p:pRg st="0" end="0"/>
+                                            </p:txEl>
+                                          </p:spTgt>
+                                        </p:tgtEl>
+                                        <p:attrNameLst>
+                                          <p:attrName>style.visibility</p:attrName>
+                                        </p:attrNameLst>
+                                      </p:cBhvr>
+                                      <p:to>
+                                        <p:strVal val="visible"/>
+                                      </p:to>
+                                    </p:set>
+                                    <p:anim calcmode="lin" valueType="num">
+                                      <p:cBhvr additive="base">
+                                        <p:cTn id="7" dur="500" fill="hold"/>
+                                        <p:tgtEl>
+                                          <p:spTgt spid="3">
+                                            <p:txEl>
+                                              <p:pRg st="0" end="0"/>
+                                            </p:txEl>
+                                          </p:spTgt>
+                                        </p:tgtEl>
+                                        <p:attrNameLst>
+                                          <p:attrName>ppt_x</p:attrName>
+                                        </p:attrNameLst>
+                                      </p:cBhvr>
+                                      <p:tavLst>
+                                        <p:tav tm="0">
+                                          <p:val>
+                                            <p:strVal val="#ppt_x"/>
+                                          </p:val>
+                                        </p:tav>
+                                        <p:tav tm="100000">
+                                          <p:val>
+                                            <p:strVal val="#ppt_x"/>
+                                          </p:val>
+                                        </p:tav>
+                                      </p:tavLst>
+                                    </p:anim>
+                                    <p:anim calcmode="lin" valueType="num">
+                                      <p:cBhvr additive="base">
+                                        <p:cTn id="8" dur="500" fill="hold"/>
+                                        <p:tgtEl>
+                                          <p:spTgt spid="3">
+                                            <p:txEl>
+                                              <p:pRg st="0" end="0"/>
+                                            </p:txEl>
+                                          </p:spTgt>
+                                        </p:tgtEl>
+                                        <p:attrNameLst>
+                                          <p:attrName>ppt_y</p:attrName>
+                                        </p:attrNameLst>
+                                      </p:cBhvr>
+                                      <p:tavLst>
+                                        <p:tav tm="0">
+                                          <p:val>
+                                            <p:strVal val="1+#ppt_h/2"/>
+                                          </p:val>
+                                        </p:tav>
+                                        <p:tav tm="100000">
+                                          <p:val>
+                                            <p:strVal val="#ppt_y"/>
+                                          </p:val>
+                                        </p:tav>
+                                      </p:tavLst>
+                                    </p:anim>
+                                  </p:childTnLst>
+                                </p:cTn>
+                              </p:par>
+                            </p:childTnLst>
+                          </p:cTn>
+                        </p:par>
+                      </p:childTnLst>
+                    </p:cTn>
+                  </p:par>
+                  <p:par>
+                    <p:cTn id="9" fill="hold">
+                      <p:stCondLst>
+                        <p:cond delay="indefinite"/>
+                      </p:stCondLst>
+                      <p:childTnLst>
+                        <p:par>
+                          <p:cTn id="10" fill="hold">
+                            <p:stCondLst>
+                              <p:cond delay="0"/>
+                            </p:stCondLst>
+                            <p:childTnLst>
+                              <p:par>
+                                <p:cTn id="11" presetID="2" presetClass="entr" presetSubtype="4" fill="hold" grpId="0" nodeType="clickEffect">
+                                  <p:stCondLst>
+                                    <p:cond delay="0"/>
+                                  </p:stCondLst>
+                                  <p:childTnLst>
+                                    <p:set>
+                                      <p:cBhvr>
+                                        <p:cTn id="12" dur="1" fill="hold">
+                                          <p:stCondLst>
+                                            <p:cond delay="0"/>
+                                          </p:stCondLst>
+                                        </p:cTn>
+                                        <p:tgtEl>
+                                          <p:spTgt spid="3">
+                                            <p:txEl>
+                                              <p:pRg st="1" end="1"/>
+                                            </p:txEl>
+                                          </p:spTgt>
+                                        </p:tgtEl>
+                                        <p:attrNameLst>
+                                          <p:attrName>style.visibility</p:attrName>
+                                        </p:attrNameLst>
+                                      </p:cBhvr>
+                                      <p:to>
+                                        <p:strVal val="visible"/>
+                                      </p:to>
+                                    </p:set>
+                                    <p:anim calcmode="lin" valueType="num">
+                                      <p:cBhvr additive="base">
+                                        <p:cTn id="13" dur="500" fill="hold"/>
+                                        <p:tgtEl>
+                                          <p:spTgt spid="3">
+                                            <p:txEl>
+                                              <p:pRg st="1" end="1"/>
+                                            </p:txEl>
+                                          </p:spTgt>
+                                        </p:tgtEl>
+                                        <p:attrNameLst>
+                                          <p:attrName>ppt_x</p:attrName>
+                                        </p:attrNameLst>
+                                      </p:cBhvr>
+                                      <p:tavLst>
+                                        <p:tav tm="0">
+                                          <p:val>
+                                            <p:strVal val="#ppt_x"/>
+                                          </p:val>
+                                        </p:tav>
+                                        <p:tav tm="100000">
+                                          <p:val>
+                                            <p:strVal val="#ppt_x"/>
+                                          </p:val>
+                                        </p:tav>
+                                      </p:tavLst>
+                                    </p:anim>
+                                    <p:anim calcmode="lin" valueType="num">
+                                      <p:cBhvr additive="base">
+                                        <p:cTn id="14" dur="500" fill="hold"/>
+                                        <p:tgtEl>
+                                          <p:spTgt spid="3">
+                                            <p:txEl>
+                                              <p:pRg st="1" end="1"/>
+                                            </p:txEl>
+                                          </p:spTgt>
+                                        </p:tgtEl>
+                                        <p:attrNameLst>
+                                          <p:attrName>ppt_y</p:attrName>
+                                        </p:attrNameLst>
+                                      </p:cBhvr>
+                                      <p:tavLst>
+                                        <p:tav tm="0">
+                                          <p:val>
+                                            <p:strVal val="1+#ppt_h/2"/>
+                                          </p:val>
+                                        </p:tav>
+                                        <p:tav tm="100000">
+                                          <p:val>
+                                            <p:strVal val="#ppt_y"/>
+                                          </p:val>
+                                        </p:tav>
+                                      </p:tavLst>
+                                    </p:anim>
+                                  </p:childTnLst>
+                                </p:cTn>
+                              </p:par>
+                            </p:childTnLst>
+                          </p:cTn>
+                        </p:par>
+                      </p:childTnLst>
+                    </p:cTn>
+                  </p:par>
+                  <p:par>
+                    <p:cTn id="15" fill="hold">
+                      <p:stCondLst>
+                        <p:cond delay="indefinite"/>
+                      </p:stCondLst>
+                      <p:childTnLst>
+                        <p:par>
+                          <p:cTn id="16" fill="hold">
+                            <p:stCondLst>
+                              <p:cond delay="0"/>
+                            </p:stCondLst>
+                            <p:childTnLst>
+                              <p:par>
+                                <p:cTn id="17" presetID="2" presetClass="entr" presetSubtype="4" fill="hold" grpId="0" nodeType="clickEffect">
+                                  <p:stCondLst>
+                                    <p:cond delay="0"/>
+                                  </p:stCondLst>
+                                  <p:childTnLst>
+                                    <p:set>
+                                      <p:cBhvr>
+                                        <p:cTn id="18" dur="1" fill="hold">
+                                          <p:stCondLst>
+                                            <p:cond delay="0"/>
+                                          </p:stCondLst>
+                                        </p:cTn>
+                                        <p:tgtEl>
+                                          <p:spTgt spid="3">
+                                            <p:txEl>
+                                              <p:pRg st="2" end="2"/>
+                                            </p:txEl>
+                                          </p:spTgt>
+                                        </p:tgtEl>
+                                        <p:attrNameLst>
+                                          <p:attrName>style.visibility</p:attrName>
+                                        </p:attrNameLst>
+                                      </p:cBhvr>
+                                      <p:to>
+                                        <p:strVal val="visible"/>
+                                      </p:to>
+                                    </p:set>
+                                    <p:anim calcmode="lin" valueType="num">
+                                      <p:cBhvr additive="base">
+                                        <p:cTn id="19" dur="500" fill="hold"/>
+                                        <p:tgtEl>
+                                          <p:spTgt spid="3">
+                                            <p:txEl>
+                                              <p:pRg st="2" end="2"/>
+                                            </p:txEl>
+                                          </p:spTgt>
+                                        </p:tgtEl>
+                                        <p:attrNameLst>
+                                          <p:attrName>ppt_x</p:attrName>
+                                        </p:attrNameLst>
+                                      </p:cBhvr>
+                                      <p:tavLst>
+                                        <p:tav tm="0">
+                                          <p:val>
+                                            <p:strVal val="#ppt_x"/>
+                                          </p:val>
+                                        </p:tav>
+                                        <p:tav tm="100000">
+                                          <p:val>
+                                            <p:strVal val="#ppt_x"/>
+                                          </p:val>
+                                        </p:tav>
+                                      </p:tavLst>
+                                    </p:anim>
+                                    <p:anim calcmode="lin" valueType="num">
+                                      <p:cBhvr additive="base">
+                                        <p:cTn id="20" dur="500" fill="hold"/>
+                                        <p:tgtEl>
+                                          <p:spTgt spid="3">
+                                            <p:txEl>
+                                              <p:pRg st="2" end="2"/>
+                                            </p:txEl>
+                                          </p:spTgt>
+                                        </p:tgtEl>
+                                        <p:attrNameLst>
+                                          <p:attrName>ppt_y</p:attrName>
+                                        </p:attrNameLst>
+                                      </p:cBhvr>
+                                      <p:tavLst>
+                                        <p:tav tm="0">
+                                          <p:val>
+                                            <p:strVal val="1+#ppt_h/2"/>
+                                          </p:val>
+                                        </p:tav>
+                                        <p:tav tm="100000">
+                                          <p:val>
+                                            <p:strVal val="#ppt_y"/>
+                                          </p:val>
+                                        </p:tav>
+                                      </p:tavLst>
+                                    </p:anim>
+                                  </p:childTnLst>
+                                </p:cTn>
+                              </p:par>
+                            </p:childTnLst>
+                          </p:cTn>
+                        </p:par>
+                      </p:childTnLst>
+                    </p:cTn>
+                  </p:par>
+                </p:childTnLst>
+              </p:cTn>
+              <p:prevCondLst>
+                <p:cond evt="onPrev" delay="0">
+                  <p:tgtEl>
+                    <p:sldTgt/>
+                  </p:tgtEl>
+                </p:cond>
+              </p:prevCondLst>
+              <p:nextCondLst>
+                <p:cond evt="onNext" delay="0">
+                  <p:tgtEl>
+                    <p:sldTgt/>
+                  </p:tgtEl>
+                </p:cond>
+              </p:nextCondLst>
+            </p:seq>
+          </p:childTnLst>
+        </p:cTn>
       </p:par>
     </p:tnLst>
+    <p:bldLst>
+      <p:bldP spid="3" grpId="0" uiExpand="1" build="p"/>
+    </p:bldLst>
   </p:timing>
 </p:sld>
 </file>

--- a/materials/slides/ch03-8.pptx
+++ b/materials/slides/ch03-8.pptx
@@ -28420,7 +28420,19 @@
           <a:p>
             <a:r>
               <a:rPr lang="zh-CN" altLang="en-US" sz="2400" dirty="0" smtClean="0"/>
-              <a:t>项目风险管理的重要性；</a:t>
+              <a:t>项目风险管理的重要性（项目管理成熟度</a:t>
+            </a:r>
+            <a:r>
+              <a:rPr lang="en-US" altLang="zh-CN" sz="2400" dirty="0" smtClean="0"/>
+              <a:t>-</a:t>
+            </a:r>
+            <a:r>
+              <a:rPr lang="zh-CN" altLang="en-US" sz="2400" dirty="0" smtClean="0"/>
+              <a:t>风险管理成熟度较低</a:t>
+            </a:r>
+            <a:r>
+              <a:rPr lang="zh-CN" altLang="en-US" sz="2400" dirty="0" smtClean="0"/>
+              <a:t>）；</a:t>
             </a:r>
             <a:endParaRPr lang="en-US" altLang="zh-CN" sz="2400" dirty="0" smtClean="0"/>
           </a:p>

--- a/materials/slides/ch03-8.pptx
+++ b/materials/slides/ch03-8.pptx
@@ -28420,7 +28420,7 @@
           <a:p>
             <a:r>
               <a:rPr lang="zh-CN" altLang="en-US" sz="2400" dirty="0" smtClean="0"/>
-              <a:t>项目风险管理的重要性（项目管理成熟度</a:t>
+              <a:t>在许多公司的项目管理成熟度中</a:t>
             </a:r>
             <a:r>
               <a:rPr lang="en-US" altLang="zh-CN" sz="2400" dirty="0" smtClean="0"/>
@@ -28428,11 +28428,7 @@
             </a:r>
             <a:r>
               <a:rPr lang="zh-CN" altLang="en-US" sz="2400" dirty="0" smtClean="0"/>
-              <a:t>风险管理成熟度较低</a:t>
-            </a:r>
-            <a:r>
-              <a:rPr lang="zh-CN" altLang="en-US" sz="2400" dirty="0" smtClean="0"/>
-              <a:t>）；</a:t>
+              <a:t>风险管理成熟度普遍较低</a:t>
             </a:r>
             <a:endParaRPr lang="en-US" altLang="zh-CN" sz="2400" dirty="0" smtClean="0"/>
           </a:p>
